--- a/3. Sustainable Transport and Distribution Logistics/Course/9. Road Transport Goods Owner's Price Agreement/010.1 29 nov F Utrikes vägtransporter prissättning.pptx
+++ b/3. Sustainable Transport and Distribution Logistics/Course/9. Road Transport Goods Owner's Price Agreement/010.1 29 nov F Utrikes vägtransporter prissättning.pptx
@@ -214,7 +214,7 @@
           <a:p>
             <a:fld id="{D8E9F6D3-CAC3-476D-AFEF-A727D566097B}" type="datetimeFigureOut">
               <a:rPr lang="sv-SE" smtClean="0"/>
-              <a:t>2023-11-24</a:t>
+              <a:t>2023-12-14</a:t>
             </a:fld>
             <a:endParaRPr lang="sv-SE"/>
           </a:p>
@@ -525,6 +525,18 @@
           <a:bodyPr/>
           <a:lstStyle/>
           <a:p>
+            <a:r>
+              <a:rPr lang="sv-SE" dirty="0" err="1"/>
+              <a:t>Foreign</a:t>
+            </a:r>
+            <a:r>
+              <a:rPr lang="sv-SE" dirty="0"/>
+              <a:t> road transport </a:t>
+            </a:r>
+            <a:r>
+              <a:rPr lang="sv-SE" dirty="0" err="1"/>
+              <a:t>profitability</a:t>
+            </a:r>
             <a:endParaRPr lang="sv-SE" dirty="0"/>
           </a:p>
         </p:txBody>
@@ -609,6 +621,74 @@
           <a:bodyPr/>
           <a:lstStyle/>
           <a:p>
+            <a:pPr marL="171450" indent="-171450">
+              <a:buFont typeface="Arial" panose="020B0604020202020204" pitchFamily="34" charset="0"/>
+              <a:buChar char="•"/>
+            </a:pPr>
+            <a:r>
+              <a:rPr lang="en-GB" dirty="0"/>
+              <a:t>Party goods</a:t>
+            </a:r>
+          </a:p>
+          <a:p>
+            <a:pPr marL="628650" lvl="1" indent="-171450">
+              <a:buFont typeface="Arial" panose="020B0604020202020204" pitchFamily="34" charset="0"/>
+              <a:buChar char="•"/>
+            </a:pPr>
+            <a:r>
+              <a:rPr lang="en-GB" dirty="0"/>
+              <a:t>Export</a:t>
+            </a:r>
+          </a:p>
+          <a:p>
+            <a:pPr marL="628650" lvl="1" indent="-171450">
+              <a:buFont typeface="Arial" panose="020B0604020202020204" pitchFamily="34" charset="0"/>
+              <a:buChar char="•"/>
+            </a:pPr>
+            <a:r>
+              <a:rPr lang="en-GB" dirty="0"/>
+              <a:t>Picked up with the load carrier who will deliver to the recipient</a:t>
+            </a:r>
+          </a:p>
+          <a:p>
+            <a:pPr marL="628650" lvl="1" indent="-171450">
+              <a:buFont typeface="Arial" panose="020B0604020202020204" pitchFamily="34" charset="0"/>
+              <a:buChar char="•"/>
+            </a:pPr>
+            <a:r>
+              <a:rPr lang="en-GB" dirty="0"/>
+              <a:t>The carrier bases its price on</a:t>
+            </a:r>
+          </a:p>
+          <a:p>
+            <a:pPr marL="1085850" lvl="2" indent="-171450">
+              <a:buFont typeface="Arial" panose="020B0604020202020204" pitchFamily="34" charset="0"/>
+              <a:buChar char="•"/>
+            </a:pPr>
+            <a:r>
+              <a:rPr lang="en-GB" dirty="0"/>
+              <a:t>Route planning</a:t>
+            </a:r>
+          </a:p>
+          <a:p>
+            <a:pPr marL="1543050" lvl="3" indent="-171450">
+              <a:buFont typeface="Arial" panose="020B0604020202020204" pitchFamily="34" charset="0"/>
+              <a:buChar char="•"/>
+            </a:pPr>
+            <a:r>
+              <a:rPr lang="en-GB" dirty="0"/>
+              <a:t>In SE and destination</a:t>
+            </a:r>
+          </a:p>
+          <a:p>
+            <a:pPr marL="1085850" lvl="2" indent="-171450">
+              <a:buFont typeface="Arial" panose="020B0604020202020204" pitchFamily="34" charset="0"/>
+              <a:buChar char="•"/>
+            </a:pPr>
+            <a:r>
+              <a:rPr lang="en-GB" dirty="0"/>
+              <a:t>Degree of filling</a:t>
+            </a:r>
             <a:endParaRPr lang="sv-SE" dirty="0"/>
           </a:p>
         </p:txBody>
@@ -628,9 +708,9 @@
           <a:bodyPr/>
           <a:lstStyle/>
           <a:p>
-            <a:fld id="{D7BB8768-89E3-4EF3-AA14-2F9E8FA4B00E}" type="slidenum">
+            <a:fld id="{01A50620-1906-437D-BF73-4FB3704EA5AE}" type="slidenum">
               <a:rPr lang="sv-SE" smtClean="0"/>
-              <a:t>11</a:t>
+              <a:t>10</a:t>
             </a:fld>
             <a:endParaRPr lang="sv-SE"/>
           </a:p>
@@ -639,7 +719,7 @@
     </p:spTree>
     <p:extLst>
       <p:ext uri="{BB962C8B-B14F-4D97-AF65-F5344CB8AC3E}">
-        <p14:creationId xmlns:p14="http://schemas.microsoft.com/office/powerpoint/2010/main" val="2345792235"/>
+        <p14:creationId xmlns:p14="http://schemas.microsoft.com/office/powerpoint/2010/main" val="1331685466"/>
       </p:ext>
     </p:extLst>
   </p:cSld>
@@ -712,9 +792,9 @@
           <a:bodyPr/>
           <a:lstStyle/>
           <a:p>
-            <a:fld id="{01A50620-1906-437D-BF73-4FB3704EA5AE}" type="slidenum">
+            <a:fld id="{D7BB8768-89E3-4EF3-AA14-2F9E8FA4B00E}" type="slidenum">
               <a:rPr lang="sv-SE" smtClean="0"/>
-              <a:t>12</a:t>
+              <a:t>11</a:t>
             </a:fld>
             <a:endParaRPr lang="sv-SE"/>
           </a:p>
@@ -723,7 +803,7 @@
     </p:spTree>
     <p:extLst>
       <p:ext uri="{BB962C8B-B14F-4D97-AF65-F5344CB8AC3E}">
-        <p14:creationId xmlns:p14="http://schemas.microsoft.com/office/powerpoint/2010/main" val="1486862658"/>
+        <p14:creationId xmlns:p14="http://schemas.microsoft.com/office/powerpoint/2010/main" val="2345792235"/>
       </p:ext>
     </p:extLst>
   </p:cSld>
@@ -777,6 +857,104 @@
           <a:bodyPr/>
           <a:lstStyle/>
           <a:p>
+            <a:pPr marL="171450" indent="-171450">
+              <a:buFont typeface="Arial" panose="020B0604020202020204" pitchFamily="34" charset="0"/>
+              <a:buChar char="•"/>
+            </a:pPr>
+            <a:r>
+              <a:rPr lang="en-GB" dirty="0"/>
+              <a:t>Summary lot goods</a:t>
+            </a:r>
+          </a:p>
+          <a:p>
+            <a:pPr marL="628650" lvl="1" indent="-171450">
+              <a:buFont typeface="Arial" panose="020B0604020202020204" pitchFamily="34" charset="0"/>
+              <a:buChar char="•"/>
+            </a:pPr>
+            <a:r>
+              <a:rPr lang="en-GB" dirty="0"/>
+              <a:t>Pickup, vehicle that also makes delivery</a:t>
+            </a:r>
+          </a:p>
+          <a:p>
+            <a:pPr marL="1085850" lvl="2" indent="-171450">
+              <a:buFont typeface="Arial" panose="020B0604020202020204" pitchFamily="34" charset="0"/>
+              <a:buChar char="•"/>
+            </a:pPr>
+            <a:r>
+              <a:rPr lang="en-GB" dirty="0"/>
+              <a:t>Pick-up location – Port of departure</a:t>
+            </a:r>
+          </a:p>
+          <a:p>
+            <a:pPr marL="1085850" lvl="2" indent="-171450">
+              <a:buFont typeface="Arial" panose="020B0604020202020204" pitchFamily="34" charset="0"/>
+              <a:buChar char="•"/>
+            </a:pPr>
+            <a:r>
+              <a:rPr lang="en-GB" dirty="0"/>
+              <a:t>Other pickups</a:t>
+            </a:r>
+          </a:p>
+          <a:p>
+            <a:pPr marL="1085850" lvl="2" indent="-171450">
+              <a:buFont typeface="Arial" panose="020B0604020202020204" pitchFamily="34" charset="0"/>
+              <a:buChar char="•"/>
+            </a:pPr>
+            <a:r>
+              <a:rPr lang="en-GB" dirty="0"/>
+              <a:t>Cost per mile</a:t>
+            </a:r>
+          </a:p>
+          <a:p>
+            <a:pPr marL="628650" lvl="1" indent="-171450">
+              <a:buFont typeface="Arial" panose="020B0604020202020204" pitchFamily="34" charset="0"/>
+              <a:buChar char="•"/>
+            </a:pPr>
+            <a:r>
+              <a:rPr lang="en-GB" dirty="0"/>
+              <a:t>Main transport</a:t>
+            </a:r>
+          </a:p>
+          <a:p>
+            <a:pPr marL="1085850" lvl="2" indent="-171450">
+              <a:buFont typeface="Arial" panose="020B0604020202020204" pitchFamily="34" charset="0"/>
+              <a:buChar char="•"/>
+            </a:pPr>
+            <a:r>
+              <a:rPr lang="en-GB" dirty="0"/>
+              <a:t>Port of departure - Place of delivery</a:t>
+            </a:r>
+          </a:p>
+          <a:p>
+            <a:pPr marL="1543050" lvl="3" indent="-171450">
+              <a:buFont typeface="Arial" panose="020B0604020202020204" pitchFamily="34" charset="0"/>
+              <a:buChar char="•"/>
+            </a:pPr>
+            <a:r>
+              <a:rPr lang="en-GB" dirty="0"/>
+              <a:t>Cost of ferry crossing</a:t>
+            </a:r>
+          </a:p>
+          <a:p>
+            <a:pPr marL="1543050" lvl="3" indent="-171450">
+              <a:buFont typeface="Arial" panose="020B0604020202020204" pitchFamily="34" charset="0"/>
+              <a:buChar char="•"/>
+            </a:pPr>
+            <a:r>
+              <a:rPr lang="en-GB" dirty="0"/>
+              <a:t>Delivery</a:t>
+            </a:r>
+          </a:p>
+          <a:p>
+            <a:pPr marL="2000250" lvl="4" indent="-171450">
+              <a:buFont typeface="Arial" panose="020B0604020202020204" pitchFamily="34" charset="0"/>
+              <a:buChar char="•"/>
+            </a:pPr>
+            <a:r>
+              <a:rPr lang="en-GB" dirty="0"/>
+              <a:t>From port of arrival to place of delivery</a:t>
+            </a:r>
             <a:endParaRPr lang="sv-SE" dirty="0"/>
           </a:p>
         </p:txBody>
@@ -798,7 +976,7 @@
           <a:p>
             <a:fld id="{01A50620-1906-437D-BF73-4FB3704EA5AE}" type="slidenum">
               <a:rPr lang="sv-SE" smtClean="0"/>
-              <a:t>14</a:t>
+              <a:t>12</a:t>
             </a:fld>
             <a:endParaRPr lang="sv-SE"/>
           </a:p>
@@ -807,7 +985,7 @@
     </p:spTree>
     <p:extLst>
       <p:ext uri="{BB962C8B-B14F-4D97-AF65-F5344CB8AC3E}">
-        <p14:creationId xmlns:p14="http://schemas.microsoft.com/office/powerpoint/2010/main" val="3374234859"/>
+        <p14:creationId xmlns:p14="http://schemas.microsoft.com/office/powerpoint/2010/main" val="1486862658"/>
       </p:ext>
     </p:extLst>
   </p:cSld>
@@ -836,6 +1014,174 @@
       </p:grpSpPr>
       <p:sp>
         <p:nvSpPr>
+          <p:cNvPr id="2" name="Slide Image Placeholder 1"/>
+          <p:cNvSpPr>
+            <a:spLocks noGrp="1" noRot="1" noChangeAspect="1"/>
+          </p:cNvSpPr>
+          <p:nvPr>
+            <p:ph type="sldImg"/>
+          </p:nvPr>
+        </p:nvSpPr>
+        <p:spPr/>
+      </p:sp>
+      <p:sp>
+        <p:nvSpPr>
+          <p:cNvPr id="3" name="Notes Placeholder 2"/>
+          <p:cNvSpPr>
+            <a:spLocks noGrp="1"/>
+          </p:cNvSpPr>
+          <p:nvPr>
+            <p:ph type="body" idx="1"/>
+          </p:nvPr>
+        </p:nvSpPr>
+        <p:spPr/>
+        <p:txBody>
+          <a:bodyPr/>
+          <a:lstStyle/>
+          <a:p>
+            <a:r>
+              <a:rPr lang="en-GB" dirty="0"/>
+              <a:t>Unit loads, full loads, full trailers</a:t>
+            </a:r>
+          </a:p>
+          <a:p>
+            <a:pPr marL="171450" indent="-171450">
+              <a:buFont typeface="Arial" panose="020B0604020202020204" pitchFamily="34" charset="0"/>
+              <a:buChar char="•"/>
+            </a:pPr>
+            <a:r>
+              <a:rPr lang="en-GB" dirty="0"/>
+              <a:t>The price is based on</a:t>
+            </a:r>
+          </a:p>
+          <a:p>
+            <a:pPr marL="628650" lvl="1" indent="-171450">
+              <a:buFont typeface="Arial" panose="020B0604020202020204" pitchFamily="34" charset="0"/>
+              <a:buChar char="•"/>
+            </a:pPr>
+            <a:r>
+              <a:rPr lang="en-GB" dirty="0"/>
+              <a:t>Mile</a:t>
+            </a:r>
+          </a:p>
+          <a:p>
+            <a:pPr marL="628650" lvl="1" indent="-171450">
+              <a:buFont typeface="Arial" panose="020B0604020202020204" pitchFamily="34" charset="0"/>
+              <a:buChar char="•"/>
+            </a:pPr>
+            <a:r>
+              <a:rPr lang="en-GB" dirty="0"/>
+              <a:t>From unloading point SE</a:t>
+            </a:r>
+          </a:p>
+          <a:p>
+            <a:pPr marL="628650" lvl="1" indent="-171450">
+              <a:buFont typeface="Arial" panose="020B0604020202020204" pitchFamily="34" charset="0"/>
+              <a:buChar char="•"/>
+            </a:pPr>
+            <a:r>
+              <a:rPr lang="en-GB" dirty="0"/>
+              <a:t>To place of loading SE</a:t>
+            </a:r>
+          </a:p>
+          <a:p>
+            <a:pPr marL="628650" lvl="1" indent="-171450">
+              <a:buFont typeface="Arial" panose="020B0604020202020204" pitchFamily="34" charset="0"/>
+              <a:buChar char="•"/>
+            </a:pPr>
+            <a:r>
+              <a:rPr lang="en-GB" dirty="0"/>
+              <a:t>To port of departure</a:t>
+            </a:r>
+          </a:p>
+          <a:p>
+            <a:pPr marL="628650" lvl="1" indent="-171450">
+              <a:buFont typeface="Arial" panose="020B0604020202020204" pitchFamily="34" charset="0"/>
+              <a:buChar char="•"/>
+            </a:pPr>
+            <a:r>
+              <a:rPr lang="en-GB" dirty="0"/>
+              <a:t>Crossing by ferry</a:t>
+            </a:r>
+          </a:p>
+          <a:p>
+            <a:pPr marL="628650" lvl="1" indent="-171450">
+              <a:buFont typeface="Arial" panose="020B0604020202020204" pitchFamily="34" charset="0"/>
+              <a:buChar char="•"/>
+            </a:pPr>
+            <a:r>
+              <a:rPr lang="en-GB" dirty="0"/>
+              <a:t>Arrival port</a:t>
+            </a:r>
+          </a:p>
+          <a:p>
+            <a:pPr marL="628650" lvl="1" indent="-171450">
+              <a:buFont typeface="Arial" panose="020B0604020202020204" pitchFamily="34" charset="0"/>
+              <a:buChar char="•"/>
+            </a:pPr>
+            <a:r>
+              <a:rPr lang="en-GB" dirty="0"/>
+              <a:t>To place of unloading</a:t>
+            </a:r>
+            <a:endParaRPr lang="en-US" dirty="0"/>
+          </a:p>
+        </p:txBody>
+      </p:sp>
+      <p:sp>
+        <p:nvSpPr>
+          <p:cNvPr id="4" name="Slide Number Placeholder 3"/>
+          <p:cNvSpPr>
+            <a:spLocks noGrp="1"/>
+          </p:cNvSpPr>
+          <p:nvPr>
+            <p:ph type="sldNum" sz="quarter" idx="5"/>
+          </p:nvPr>
+        </p:nvSpPr>
+        <p:spPr/>
+        <p:txBody>
+          <a:bodyPr/>
+          <a:lstStyle/>
+          <a:p>
+            <a:fld id="{FF2C522E-8F82-4F9A-A99C-C04084089420}" type="slidenum">
+              <a:rPr lang="sv-SE" smtClean="0"/>
+              <a:t>13</a:t>
+            </a:fld>
+            <a:endParaRPr lang="sv-SE"/>
+          </a:p>
+        </p:txBody>
+      </p:sp>
+    </p:spTree>
+    <p:extLst>
+      <p:ext uri="{BB962C8B-B14F-4D97-AF65-F5344CB8AC3E}">
+        <p14:creationId xmlns:p14="http://schemas.microsoft.com/office/powerpoint/2010/main" val="4085605175"/>
+      </p:ext>
+    </p:extLst>
+  </p:cSld>
+  <p:clrMapOvr>
+    <a:masterClrMapping/>
+  </p:clrMapOvr>
+</p:notes>
+</file>
+
+<file path=ppt/notesSlides/notesSlide14.xml><?xml version="1.0" encoding="utf-8"?>
+<p:notes xmlns:a="http://schemas.openxmlformats.org/drawingml/2006/main" xmlns:r="http://schemas.openxmlformats.org/officeDocument/2006/relationships" xmlns:p="http://schemas.openxmlformats.org/presentationml/2006/main">
+  <p:cSld>
+    <p:spTree>
+      <p:nvGrpSpPr>
+        <p:cNvPr id="1" name=""/>
+        <p:cNvGrpSpPr/>
+        <p:nvPr/>
+      </p:nvGrpSpPr>
+      <p:grpSpPr>
+        <a:xfrm>
+          <a:off x="0" y="0"/>
+          <a:ext cx="0" cy="0"/>
+          <a:chOff x="0" y="0"/>
+          <a:chExt cx="0" cy="0"/>
+        </a:xfrm>
+      </p:grpSpPr>
+      <p:sp>
+        <p:nvSpPr>
           <p:cNvPr id="2" name="Platshållare för bildobjekt 1"/>
           <p:cNvSpPr>
             <a:spLocks noGrp="1" noRot="1" noChangeAspect="1"/>
@@ -861,6 +1207,100 @@
           <a:bodyPr/>
           <a:lstStyle/>
           <a:p>
+            <a:r>
+              <a:rPr lang="en-GB" dirty="0"/>
+              <a:t>Summary full trailers</a:t>
+            </a:r>
+          </a:p>
+          <a:p>
+            <a:pPr marL="171450" indent="-171450">
+              <a:buFont typeface="Arial" panose="020B0604020202020204" pitchFamily="34" charset="0"/>
+              <a:buChar char="•"/>
+            </a:pPr>
+            <a:r>
+              <a:rPr lang="en-GB" dirty="0"/>
+              <a:t>Door/Door, same vehicle</a:t>
+            </a:r>
+          </a:p>
+          <a:p>
+            <a:pPr marL="628650" lvl="1" indent="-171450">
+              <a:buFont typeface="Arial" panose="020B0604020202020204" pitchFamily="34" charset="0"/>
+              <a:buChar char="•"/>
+            </a:pPr>
+            <a:r>
+              <a:rPr lang="en-GB" dirty="0"/>
+              <a:t>Place of unloading -Pick-up place - Port of departure</a:t>
+            </a:r>
+          </a:p>
+          <a:p>
+            <a:pPr marL="1085850" lvl="2" indent="-171450">
+              <a:buFont typeface="Arial" panose="020B0604020202020204" pitchFamily="34" charset="0"/>
+              <a:buChar char="•"/>
+            </a:pPr>
+            <a:r>
+              <a:rPr lang="en-GB" dirty="0"/>
+              <a:t>Cost per mile</a:t>
+            </a:r>
+          </a:p>
+          <a:p>
+            <a:pPr marL="628650" lvl="1" indent="-171450">
+              <a:buFont typeface="Arial" panose="020B0604020202020204" pitchFamily="34" charset="0"/>
+              <a:buChar char="•"/>
+            </a:pPr>
+            <a:r>
+              <a:rPr lang="en-GB" dirty="0"/>
+              <a:t>Cost of ferry crossing</a:t>
+            </a:r>
+          </a:p>
+          <a:p>
+            <a:pPr marL="628650" lvl="1" indent="-171450">
+              <a:buFont typeface="Arial" panose="020B0604020202020204" pitchFamily="34" charset="0"/>
+              <a:buChar char="•"/>
+            </a:pPr>
+            <a:r>
+              <a:rPr lang="en-GB" dirty="0"/>
+              <a:t>Port of arrival - Place of delivery</a:t>
+            </a:r>
+          </a:p>
+          <a:p>
+            <a:pPr marL="1085850" lvl="2" indent="-171450">
+              <a:buFont typeface="Arial" panose="020B0604020202020204" pitchFamily="34" charset="0"/>
+              <a:buChar char="•"/>
+            </a:pPr>
+            <a:r>
+              <a:rPr lang="en-GB" dirty="0"/>
+              <a:t>Cost per mile</a:t>
+            </a:r>
+          </a:p>
+          <a:p>
+            <a:pPr marL="628650" lvl="1" indent="-171450">
+              <a:buFont typeface="Arial" panose="020B0604020202020204" pitchFamily="34" charset="0"/>
+              <a:buChar char="•"/>
+            </a:pPr>
+            <a:r>
+              <a:rPr lang="en-GB" dirty="0"/>
+              <a:t>Other</a:t>
+            </a:r>
+          </a:p>
+          <a:p>
+            <a:pPr marL="1085850" lvl="2" indent="-171450">
+              <a:buFont typeface="Arial" panose="020B0604020202020204" pitchFamily="34" charset="0"/>
+              <a:buChar char="•"/>
+            </a:pPr>
+            <a:r>
+              <a:rPr lang="en-GB" dirty="0"/>
+              <a:t>Road tax</a:t>
+            </a:r>
+          </a:p>
+          <a:p>
+            <a:pPr marL="1085850" lvl="2" indent="-171450">
+              <a:buFont typeface="Arial" panose="020B0604020202020204" pitchFamily="34" charset="0"/>
+              <a:buChar char="•"/>
+            </a:pPr>
+            <a:r>
+              <a:rPr lang="en-GB" dirty="0"/>
+              <a:t>Trailer rental</a:t>
+            </a:r>
             <a:endParaRPr lang="sv-SE" dirty="0"/>
           </a:p>
         </p:txBody>
@@ -880,6 +1320,272 @@
           <a:bodyPr/>
           <a:lstStyle/>
           <a:p>
+            <a:fld id="{01A50620-1906-437D-BF73-4FB3704EA5AE}" type="slidenum">
+              <a:rPr lang="sv-SE" smtClean="0"/>
+              <a:t>14</a:t>
+            </a:fld>
+            <a:endParaRPr lang="sv-SE"/>
+          </a:p>
+        </p:txBody>
+      </p:sp>
+    </p:spTree>
+    <p:extLst>
+      <p:ext uri="{BB962C8B-B14F-4D97-AF65-F5344CB8AC3E}">
+        <p14:creationId xmlns:p14="http://schemas.microsoft.com/office/powerpoint/2010/main" val="3374234859"/>
+      </p:ext>
+    </p:extLst>
+  </p:cSld>
+  <p:clrMapOvr>
+    <a:masterClrMapping/>
+  </p:clrMapOvr>
+</p:notes>
+</file>
+
+<file path=ppt/notesSlides/notesSlide15.xml><?xml version="1.0" encoding="utf-8"?>
+<p:notes xmlns:a="http://schemas.openxmlformats.org/drawingml/2006/main" xmlns:r="http://schemas.openxmlformats.org/officeDocument/2006/relationships" xmlns:p="http://schemas.openxmlformats.org/presentationml/2006/main">
+  <p:cSld>
+    <p:spTree>
+      <p:nvGrpSpPr>
+        <p:cNvPr id="1" name=""/>
+        <p:cNvGrpSpPr/>
+        <p:nvPr/>
+      </p:nvGrpSpPr>
+      <p:grpSpPr>
+        <a:xfrm>
+          <a:off x="0" y="0"/>
+          <a:ext cx="0" cy="0"/>
+          <a:chOff x="0" y="0"/>
+          <a:chExt cx="0" cy="0"/>
+        </a:xfrm>
+      </p:grpSpPr>
+      <p:sp>
+        <p:nvSpPr>
+          <p:cNvPr id="2" name="Platshållare för bildobjekt 1"/>
+          <p:cNvSpPr>
+            <a:spLocks noGrp="1" noRot="1" noChangeAspect="1"/>
+          </p:cNvSpPr>
+          <p:nvPr>
+            <p:ph type="sldImg"/>
+          </p:nvPr>
+        </p:nvSpPr>
+        <p:spPr/>
+      </p:sp>
+      <p:sp>
+        <p:nvSpPr>
+          <p:cNvPr id="3" name="Platshållare för anteckningar 2"/>
+          <p:cNvSpPr>
+            <a:spLocks noGrp="1"/>
+          </p:cNvSpPr>
+          <p:nvPr>
+            <p:ph type="body" idx="1"/>
+          </p:nvPr>
+        </p:nvSpPr>
+        <p:spPr/>
+        <p:txBody>
+          <a:bodyPr/>
+          <a:lstStyle/>
+          <a:p>
+            <a:r>
+              <a:rPr lang="sv-SE" dirty="0" err="1"/>
+              <a:t>Examples</a:t>
+            </a:r>
+            <a:r>
+              <a:rPr lang="sv-SE" dirty="0"/>
+              <a:t> </a:t>
+            </a:r>
+            <a:r>
+              <a:rPr lang="sv-SE" dirty="0" err="1"/>
+              <a:t>of</a:t>
+            </a:r>
+            <a:r>
+              <a:rPr lang="sv-SE" dirty="0"/>
+              <a:t> </a:t>
+            </a:r>
+            <a:r>
+              <a:rPr lang="sv-SE" dirty="0" err="1"/>
+              <a:t>consignment</a:t>
+            </a:r>
+            <a:r>
+              <a:rPr lang="sv-SE" dirty="0"/>
+              <a:t> </a:t>
+            </a:r>
+            <a:r>
+              <a:rPr lang="sv-SE" dirty="0" err="1"/>
+              <a:t>goods</a:t>
+            </a:r>
+            <a:endParaRPr lang="sv-SE" dirty="0"/>
+          </a:p>
+          <a:p>
+            <a:pPr marL="171450" indent="-171450">
+              <a:buFont typeface="Arial" panose="020B0604020202020204" pitchFamily="34" charset="0"/>
+              <a:buChar char="•"/>
+            </a:pPr>
+            <a:r>
+              <a:rPr lang="sv-SE" dirty="0"/>
+              <a:t>From </a:t>
+            </a:r>
+            <a:r>
+              <a:rPr lang="sv-SE" dirty="0" err="1"/>
+              <a:t>unloading</a:t>
+            </a:r>
+            <a:r>
+              <a:rPr lang="sv-SE" dirty="0"/>
+              <a:t> Örebro</a:t>
+            </a:r>
+          </a:p>
+          <a:p>
+            <a:pPr marL="171450" indent="-171450">
+              <a:buFont typeface="Arial" panose="020B0604020202020204" pitchFamily="34" charset="0"/>
+              <a:buChar char="•"/>
+            </a:pPr>
+            <a:r>
+              <a:rPr lang="sv-SE" dirty="0" err="1"/>
+              <a:t>Load</a:t>
+            </a:r>
+            <a:r>
+              <a:rPr lang="sv-SE" dirty="0"/>
+              <a:t> Kristinehamn 8000kg to Bielefeld</a:t>
+            </a:r>
+          </a:p>
+          <a:p>
+            <a:pPr marL="171450" indent="-171450">
+              <a:buFont typeface="Arial" panose="020B0604020202020204" pitchFamily="34" charset="0"/>
+              <a:buChar char="•"/>
+            </a:pPr>
+            <a:r>
+              <a:rPr lang="sv-SE" dirty="0"/>
+              <a:t>+ Mariestad 8000kg to Hannover</a:t>
+            </a:r>
+          </a:p>
+          <a:p>
+            <a:pPr marL="171450" indent="-171450">
+              <a:buFont typeface="Arial" panose="020B0604020202020204" pitchFamily="34" charset="0"/>
+              <a:buChar char="•"/>
+            </a:pPr>
+            <a:r>
+              <a:rPr lang="sv-SE" dirty="0"/>
+              <a:t>+ Skara 8000kg Hamburg</a:t>
+            </a:r>
+          </a:p>
+          <a:p>
+            <a:pPr marL="171450" indent="-171450">
+              <a:buFont typeface="Arial" panose="020B0604020202020204" pitchFamily="34" charset="0"/>
+              <a:buChar char="•"/>
+            </a:pPr>
+            <a:r>
+              <a:rPr lang="sv-SE" dirty="0"/>
+              <a:t>Gothenburg</a:t>
+            </a:r>
+          </a:p>
+          <a:p>
+            <a:pPr marL="171450" indent="-171450">
+              <a:buFont typeface="Arial" panose="020B0604020202020204" pitchFamily="34" charset="0"/>
+              <a:buChar char="•"/>
+            </a:pPr>
+            <a:r>
+              <a:rPr lang="sv-SE" dirty="0"/>
+              <a:t>34 miles</a:t>
+            </a:r>
+          </a:p>
+          <a:p>
+            <a:pPr marL="171450" indent="-171450">
+              <a:buFont typeface="Arial" panose="020B0604020202020204" pitchFamily="34" charset="0"/>
+              <a:buChar char="•"/>
+            </a:pPr>
+            <a:r>
+              <a:rPr lang="sv-SE" dirty="0" err="1"/>
+              <a:t>Load</a:t>
+            </a:r>
+            <a:endParaRPr lang="sv-SE" dirty="0"/>
+          </a:p>
+          <a:p>
+            <a:pPr marL="628650" lvl="1" indent="-171450">
+              <a:buFont typeface="Arial" panose="020B0604020202020204" pitchFamily="34" charset="0"/>
+              <a:buChar char="•"/>
+            </a:pPr>
+            <a:r>
+              <a:rPr lang="sv-SE" dirty="0"/>
+              <a:t>24000kg</a:t>
+            </a:r>
+          </a:p>
+          <a:p>
+            <a:pPr marL="171450" lvl="0" indent="-171450">
+              <a:buFont typeface="Arial" panose="020B0604020202020204" pitchFamily="34" charset="0"/>
+              <a:buChar char="•"/>
+            </a:pPr>
+            <a:r>
+              <a:rPr lang="sv-SE" dirty="0" err="1"/>
+              <a:t>Degree</a:t>
+            </a:r>
+            <a:r>
+              <a:rPr lang="sv-SE" dirty="0"/>
+              <a:t> </a:t>
+            </a:r>
+            <a:r>
+              <a:rPr lang="sv-SE" dirty="0" err="1"/>
+              <a:t>of</a:t>
+            </a:r>
+            <a:r>
+              <a:rPr lang="sv-SE" dirty="0"/>
+              <a:t> </a:t>
+            </a:r>
+            <a:r>
+              <a:rPr lang="sv-SE" dirty="0" err="1"/>
+              <a:t>filling</a:t>
+            </a:r>
+            <a:endParaRPr lang="sv-SE" dirty="0"/>
+          </a:p>
+          <a:p>
+            <a:pPr marL="628650" lvl="1" indent="-171450">
+              <a:buFont typeface="Arial" panose="020B0604020202020204" pitchFamily="34" charset="0"/>
+              <a:buChar char="•"/>
+            </a:pPr>
+            <a:r>
+              <a:rPr lang="sv-SE" dirty="0"/>
+              <a:t>100%</a:t>
+            </a:r>
+          </a:p>
+          <a:p>
+            <a:pPr marL="171450" lvl="0" indent="-171450">
+              <a:buFont typeface="Arial" panose="020B0604020202020204" pitchFamily="34" charset="0"/>
+              <a:buChar char="•"/>
+            </a:pPr>
+            <a:r>
+              <a:rPr lang="sv-SE" dirty="0" err="1"/>
+              <a:t>Cost</a:t>
+            </a:r>
+            <a:r>
+              <a:rPr lang="sv-SE" dirty="0"/>
+              <a:t> per mile SEK 98 x 34 miles = SEK 3332</a:t>
+            </a:r>
+          </a:p>
+          <a:p>
+            <a:pPr marL="171450" lvl="0" indent="-171450">
+              <a:buFont typeface="Arial" panose="020B0604020202020204" pitchFamily="34" charset="0"/>
+              <a:buChar char="•"/>
+            </a:pPr>
+            <a:r>
+              <a:rPr lang="sv-SE" dirty="0"/>
+              <a:t>DMT 15% = SEK 500 + SEK 3332 = SEK 3832</a:t>
+            </a:r>
+          </a:p>
+        </p:txBody>
+      </p:sp>
+      <p:sp>
+        <p:nvSpPr>
+          <p:cNvPr id="4" name="Platshållare för bildnummer 3"/>
+          <p:cNvSpPr>
+            <a:spLocks noGrp="1"/>
+          </p:cNvSpPr>
+          <p:nvPr>
+            <p:ph type="sldNum" sz="quarter" idx="10"/>
+          </p:nvPr>
+        </p:nvSpPr>
+        <p:spPr/>
+        <p:txBody>
+          <a:bodyPr/>
+          <a:lstStyle/>
+          <a:p>
             <a:fld id="{69A29C0E-5F6C-4F39-B0AC-0296CA5549B9}" type="slidenum">
               <a:rPr lang="sv-SE" smtClean="0"/>
               <a:t>15</a:t>
@@ -892,6 +1598,584 @@
     <p:extLst>
       <p:ext uri="{BB962C8B-B14F-4D97-AF65-F5344CB8AC3E}">
         <p14:creationId xmlns:p14="http://schemas.microsoft.com/office/powerpoint/2010/main" val="3414540624"/>
+      </p:ext>
+    </p:extLst>
+  </p:cSld>
+  <p:clrMapOvr>
+    <a:masterClrMapping/>
+  </p:clrMapOvr>
+</p:notes>
+</file>
+
+<file path=ppt/notesSlides/notesSlide16.xml><?xml version="1.0" encoding="utf-8"?>
+<p:notes xmlns:a="http://schemas.openxmlformats.org/drawingml/2006/main" xmlns:r="http://schemas.openxmlformats.org/officeDocument/2006/relationships" xmlns:p="http://schemas.openxmlformats.org/presentationml/2006/main">
+  <p:cSld>
+    <p:spTree>
+      <p:nvGrpSpPr>
+        <p:cNvPr id="1" name=""/>
+        <p:cNvGrpSpPr/>
+        <p:nvPr/>
+      </p:nvGrpSpPr>
+      <p:grpSpPr>
+        <a:xfrm>
+          <a:off x="0" y="0"/>
+          <a:ext cx="0" cy="0"/>
+          <a:chOff x="0" y="0"/>
+          <a:chExt cx="0" cy="0"/>
+        </a:xfrm>
+      </p:grpSpPr>
+      <p:sp>
+        <p:nvSpPr>
+          <p:cNvPr id="2" name="Slide Image Placeholder 1"/>
+          <p:cNvSpPr>
+            <a:spLocks noGrp="1" noRot="1" noChangeAspect="1"/>
+          </p:cNvSpPr>
+          <p:nvPr>
+            <p:ph type="sldImg"/>
+          </p:nvPr>
+        </p:nvSpPr>
+        <p:spPr/>
+      </p:sp>
+      <p:sp>
+        <p:nvSpPr>
+          <p:cNvPr id="3" name="Notes Placeholder 2"/>
+          <p:cNvSpPr>
+            <a:spLocks noGrp="1"/>
+          </p:cNvSpPr>
+          <p:nvPr>
+            <p:ph type="body" idx="1"/>
+          </p:nvPr>
+        </p:nvSpPr>
+        <p:spPr/>
+        <p:txBody>
+          <a:bodyPr/>
+          <a:lstStyle/>
+          <a:p>
+            <a:r>
+              <a:rPr lang="en-US" dirty="0"/>
+              <a:t>Examples of consignment goods</a:t>
+            </a:r>
+          </a:p>
+          <a:p>
+            <a:pPr marL="171450" indent="-171450">
+              <a:buFont typeface="Arial" panose="020B0604020202020204" pitchFamily="34" charset="0"/>
+              <a:buChar char="•"/>
+            </a:pPr>
+            <a:r>
+              <a:rPr lang="en-US" dirty="0"/>
+              <a:t>Crossing with ferry Stena Line Gothenburg – Kiel</a:t>
+            </a:r>
+          </a:p>
+          <a:p>
+            <a:pPr marL="628650" lvl="1" indent="-171450">
+              <a:buFont typeface="Arial" panose="020B0604020202020204" pitchFamily="34" charset="0"/>
+              <a:buChar char="•"/>
+            </a:pPr>
+            <a:r>
+              <a:rPr lang="en-US" dirty="0"/>
+              <a:t>5185 SEK</a:t>
+            </a:r>
+          </a:p>
+          <a:p>
+            <a:pPr marL="171450" lvl="0" indent="-171450">
+              <a:buFont typeface="Arial" panose="020B0604020202020204" pitchFamily="34" charset="0"/>
+              <a:buChar char="•"/>
+            </a:pPr>
+            <a:r>
+              <a:rPr lang="en-US" dirty="0"/>
+              <a:t>Unloading DE</a:t>
+            </a:r>
+          </a:p>
+          <a:p>
+            <a:pPr marL="171450" lvl="0" indent="-171450">
+              <a:buFont typeface="Arial" panose="020B0604020202020204" pitchFamily="34" charset="0"/>
+              <a:buChar char="•"/>
+            </a:pPr>
+            <a:r>
+              <a:rPr lang="en-US" dirty="0"/>
+              <a:t>Hamburg + Hannover + Bielefeld</a:t>
+            </a:r>
+          </a:p>
+          <a:p>
+            <a:pPr marL="171450" lvl="0" indent="-171450">
+              <a:buFont typeface="Arial" panose="020B0604020202020204" pitchFamily="34" charset="0"/>
+              <a:buChar char="•"/>
+            </a:pPr>
+            <a:r>
+              <a:rPr lang="en-US" dirty="0"/>
+              <a:t>Miles in DE</a:t>
+            </a:r>
+          </a:p>
+          <a:p>
+            <a:pPr marL="171450" lvl="0" indent="-171450">
+              <a:buFont typeface="Arial" panose="020B0604020202020204" pitchFamily="34" charset="0"/>
+              <a:buChar char="•"/>
+            </a:pPr>
+            <a:r>
+              <a:rPr lang="en-US" dirty="0"/>
+              <a:t>36 miles x 9 EUR + 8% = 350 EUR = 3500 SEK</a:t>
+            </a:r>
+          </a:p>
+          <a:p>
+            <a:pPr marL="171450" lvl="0" indent="-171450">
+              <a:buFont typeface="Arial" panose="020B0604020202020204" pitchFamily="34" charset="0"/>
+              <a:buChar char="•"/>
+            </a:pPr>
+            <a:r>
+              <a:rPr lang="en-US" dirty="0"/>
+              <a:t>Trailer rental SEK 425 per day</a:t>
+            </a:r>
+          </a:p>
+          <a:p>
+            <a:pPr marL="628650" lvl="1" indent="-171450">
+              <a:buFont typeface="Arial" panose="020B0604020202020204" pitchFamily="34" charset="0"/>
+              <a:buChar char="•"/>
+            </a:pPr>
+            <a:r>
+              <a:rPr lang="en-US" dirty="0"/>
+              <a:t>About 3 days SEK 1275</a:t>
+            </a:r>
+          </a:p>
+          <a:p>
+            <a:pPr marL="171450" lvl="0" indent="-171450">
+              <a:buFont typeface="Arial" panose="020B0604020202020204" pitchFamily="34" charset="0"/>
+              <a:buChar char="•"/>
+            </a:pPr>
+            <a:r>
+              <a:rPr lang="en-US" dirty="0"/>
+              <a:t>German road tax</a:t>
+            </a:r>
+          </a:p>
+          <a:p>
+            <a:pPr marL="628650" lvl="1" indent="-171450">
+              <a:buFont typeface="Arial" panose="020B0604020202020204" pitchFamily="34" charset="0"/>
+              <a:buChar char="•"/>
+            </a:pPr>
+            <a:r>
+              <a:rPr lang="en-US" dirty="0"/>
+              <a:t>78 EUR = 776 SEK</a:t>
+            </a:r>
+          </a:p>
+          <a:p>
+            <a:pPr marL="171450" lvl="0" indent="-171450">
+              <a:buFont typeface="Arial" panose="020B0604020202020204" pitchFamily="34" charset="0"/>
+              <a:buChar char="•"/>
+            </a:pPr>
+            <a:r>
+              <a:rPr lang="en-US" dirty="0"/>
+              <a:t>Total cost of the entire trip 3832 + 5185 + 3500 + 1275 + 776= SEK 14,568</a:t>
+            </a:r>
+          </a:p>
+          <a:p>
+            <a:pPr marL="171450" lvl="0" indent="-171450">
+              <a:buFont typeface="Arial" panose="020B0604020202020204" pitchFamily="34" charset="0"/>
+              <a:buChar char="•"/>
+            </a:pPr>
+            <a:r>
+              <a:rPr lang="en-US" dirty="0"/>
+              <a:t>Distribution?</a:t>
+            </a:r>
+          </a:p>
+        </p:txBody>
+      </p:sp>
+      <p:sp>
+        <p:nvSpPr>
+          <p:cNvPr id="4" name="Slide Number Placeholder 3"/>
+          <p:cNvSpPr>
+            <a:spLocks noGrp="1"/>
+          </p:cNvSpPr>
+          <p:nvPr>
+            <p:ph type="sldNum" sz="quarter" idx="5"/>
+          </p:nvPr>
+        </p:nvSpPr>
+        <p:spPr/>
+        <p:txBody>
+          <a:bodyPr/>
+          <a:lstStyle/>
+          <a:p>
+            <a:fld id="{FF2C522E-8F82-4F9A-A99C-C04084089420}" type="slidenum">
+              <a:rPr lang="sv-SE" smtClean="0"/>
+              <a:t>16</a:t>
+            </a:fld>
+            <a:endParaRPr lang="sv-SE"/>
+          </a:p>
+        </p:txBody>
+      </p:sp>
+    </p:spTree>
+    <p:extLst>
+      <p:ext uri="{BB962C8B-B14F-4D97-AF65-F5344CB8AC3E}">
+        <p14:creationId xmlns:p14="http://schemas.microsoft.com/office/powerpoint/2010/main" val="2112661115"/>
+      </p:ext>
+    </p:extLst>
+  </p:cSld>
+  <p:clrMapOvr>
+    <a:masterClrMapping/>
+  </p:clrMapOvr>
+</p:notes>
+</file>
+
+<file path=ppt/notesSlides/notesSlide17.xml><?xml version="1.0" encoding="utf-8"?>
+<p:notes xmlns:a="http://schemas.openxmlformats.org/drawingml/2006/main" xmlns:r="http://schemas.openxmlformats.org/officeDocument/2006/relationships" xmlns:p="http://schemas.openxmlformats.org/presentationml/2006/main">
+  <p:cSld>
+    <p:spTree>
+      <p:nvGrpSpPr>
+        <p:cNvPr id="1" name=""/>
+        <p:cNvGrpSpPr/>
+        <p:nvPr/>
+      </p:nvGrpSpPr>
+      <p:grpSpPr>
+        <a:xfrm>
+          <a:off x="0" y="0"/>
+          <a:ext cx="0" cy="0"/>
+          <a:chOff x="0" y="0"/>
+          <a:chExt cx="0" cy="0"/>
+        </a:xfrm>
+      </p:grpSpPr>
+      <p:sp>
+        <p:nvSpPr>
+          <p:cNvPr id="2" name="Slide Image Placeholder 1"/>
+          <p:cNvSpPr>
+            <a:spLocks noGrp="1" noRot="1" noChangeAspect="1"/>
+          </p:cNvSpPr>
+          <p:nvPr>
+            <p:ph type="sldImg"/>
+          </p:nvPr>
+        </p:nvSpPr>
+        <p:spPr/>
+      </p:sp>
+      <p:sp>
+        <p:nvSpPr>
+          <p:cNvPr id="3" name="Notes Placeholder 2"/>
+          <p:cNvSpPr>
+            <a:spLocks noGrp="1"/>
+          </p:cNvSpPr>
+          <p:nvPr>
+            <p:ph type="body" idx="1"/>
+          </p:nvPr>
+        </p:nvSpPr>
+        <p:spPr/>
+        <p:txBody>
+          <a:bodyPr/>
+          <a:lstStyle/>
+          <a:p>
+            <a:pPr marL="171450" indent="-171450">
+              <a:buFont typeface="Arial" panose="020B0604020202020204" pitchFamily="34" charset="0"/>
+              <a:buChar char="•"/>
+            </a:pPr>
+            <a:r>
+              <a:rPr lang="en-US" dirty="0"/>
+              <a:t>Cost calculation consignment goods</a:t>
+            </a:r>
+          </a:p>
+          <a:p>
+            <a:pPr marL="628650" lvl="1" indent="-171450">
+              <a:buFont typeface="Arial" panose="020B0604020202020204" pitchFamily="34" charset="0"/>
+              <a:buChar char="•"/>
+            </a:pPr>
+            <a:r>
+              <a:rPr lang="en-US" dirty="0"/>
+              <a:t>Built at full load</a:t>
+            </a:r>
+          </a:p>
+          <a:p>
+            <a:pPr marL="1085850" lvl="2" indent="-171450">
+              <a:buFont typeface="Arial" panose="020B0604020202020204" pitchFamily="34" charset="0"/>
+              <a:buChar char="•"/>
+            </a:pPr>
+            <a:r>
+              <a:rPr lang="en-US" dirty="0"/>
+              <a:t>From place to place</a:t>
+            </a:r>
+          </a:p>
+          <a:p>
+            <a:pPr marL="628650" lvl="1" indent="-171450">
+              <a:buFont typeface="Arial" panose="020B0604020202020204" pitchFamily="34" charset="0"/>
+              <a:buChar char="•"/>
+            </a:pPr>
+            <a:r>
+              <a:rPr lang="en-US" dirty="0"/>
+              <a:t>Decomposes</a:t>
+            </a:r>
+          </a:p>
+          <a:p>
+            <a:pPr marL="1085850" lvl="2" indent="-171450">
+              <a:buFont typeface="Arial" panose="020B0604020202020204" pitchFamily="34" charset="0"/>
+              <a:buChar char="•"/>
+            </a:pPr>
+            <a:r>
+              <a:rPr lang="en-US" dirty="0"/>
+              <a:t>Per ton</a:t>
+            </a:r>
+          </a:p>
+          <a:p>
+            <a:pPr marL="171450" lvl="0" indent="-171450">
+              <a:buFont typeface="Arial" panose="020B0604020202020204" pitchFamily="34" charset="0"/>
+              <a:buChar char="•"/>
+            </a:pPr>
+            <a:r>
+              <a:rPr lang="en-US" dirty="0"/>
+              <a:t>Ex </a:t>
+            </a:r>
+            <a:r>
+              <a:rPr lang="en-US" dirty="0" err="1"/>
+              <a:t>Kristinehamn</a:t>
+            </a:r>
+            <a:r>
+              <a:rPr lang="en-US" dirty="0"/>
+              <a:t> 8000kg to Bielefeld</a:t>
+            </a:r>
+          </a:p>
+          <a:p>
+            <a:pPr marL="628650" lvl="1" indent="-171450">
+              <a:buFont typeface="Arial" panose="020B0604020202020204" pitchFamily="34" charset="0"/>
+              <a:buChar char="•"/>
+            </a:pPr>
+            <a:r>
+              <a:rPr lang="en-US" dirty="0"/>
+              <a:t>Cost of full load</a:t>
+            </a:r>
+          </a:p>
+          <a:p>
+            <a:pPr marL="1085850" lvl="2" indent="-171450">
+              <a:buFont typeface="Arial" panose="020B0604020202020204" pitchFamily="34" charset="0"/>
+              <a:buChar char="•"/>
+            </a:pPr>
+            <a:r>
+              <a:rPr lang="en-US" dirty="0"/>
+              <a:t>14,568 SEK</a:t>
+            </a:r>
+          </a:p>
+          <a:p>
+            <a:pPr marL="628650" lvl="1" indent="-171450">
+              <a:buFont typeface="Arial" panose="020B0604020202020204" pitchFamily="34" charset="0"/>
+              <a:buChar char="•"/>
+            </a:pPr>
+            <a:r>
+              <a:rPr lang="en-US" dirty="0"/>
+              <a:t>Decomposes</a:t>
+            </a:r>
+          </a:p>
+          <a:p>
+            <a:pPr marL="1085850" lvl="2" indent="-171450">
+              <a:buFont typeface="Arial" panose="020B0604020202020204" pitchFamily="34" charset="0"/>
+              <a:buChar char="•"/>
+            </a:pPr>
+            <a:r>
+              <a:rPr lang="en-US" dirty="0"/>
+              <a:t>SEK 14,568 / 24,000kg = SEK 607 per ton</a:t>
+            </a:r>
+          </a:p>
+          <a:p>
+            <a:pPr marL="628650" lvl="1" indent="-171450">
+              <a:buFont typeface="Arial" panose="020B0604020202020204" pitchFamily="34" charset="0"/>
+              <a:buChar char="•"/>
+            </a:pPr>
+            <a:r>
+              <a:rPr lang="en-US" dirty="0"/>
+              <a:t>Cost </a:t>
+            </a:r>
+            <a:r>
+              <a:rPr lang="en-US" dirty="0" err="1"/>
+              <a:t>Kristinehamn</a:t>
+            </a:r>
+            <a:r>
+              <a:rPr lang="en-US" dirty="0"/>
+              <a:t> – Bielefeld 8000kg</a:t>
+            </a:r>
+          </a:p>
+          <a:p>
+            <a:pPr marL="1085850" lvl="2" indent="-171450">
+              <a:buFont typeface="Arial" panose="020B0604020202020204" pitchFamily="34" charset="0"/>
+              <a:buChar char="•"/>
+            </a:pPr>
+            <a:r>
+              <a:rPr lang="en-US" dirty="0"/>
+              <a:t>607 x 8 = 4856:-</a:t>
+            </a:r>
+          </a:p>
+        </p:txBody>
+      </p:sp>
+      <p:sp>
+        <p:nvSpPr>
+          <p:cNvPr id="4" name="Slide Number Placeholder 3"/>
+          <p:cNvSpPr>
+            <a:spLocks noGrp="1"/>
+          </p:cNvSpPr>
+          <p:nvPr>
+            <p:ph type="sldNum" sz="quarter" idx="5"/>
+          </p:nvPr>
+        </p:nvSpPr>
+        <p:spPr/>
+        <p:txBody>
+          <a:bodyPr/>
+          <a:lstStyle/>
+          <a:p>
+            <a:fld id="{FF2C522E-8F82-4F9A-A99C-C04084089420}" type="slidenum">
+              <a:rPr lang="sv-SE" smtClean="0"/>
+              <a:t>17</a:t>
+            </a:fld>
+            <a:endParaRPr lang="sv-SE"/>
+          </a:p>
+        </p:txBody>
+      </p:sp>
+    </p:spTree>
+    <p:extLst>
+      <p:ext uri="{BB962C8B-B14F-4D97-AF65-F5344CB8AC3E}">
+        <p14:creationId xmlns:p14="http://schemas.microsoft.com/office/powerpoint/2010/main" val="4127275225"/>
+      </p:ext>
+    </p:extLst>
+  </p:cSld>
+  <p:clrMapOvr>
+    <a:masterClrMapping/>
+  </p:clrMapOvr>
+</p:notes>
+</file>
+
+<file path=ppt/notesSlides/notesSlide18.xml><?xml version="1.0" encoding="utf-8"?>
+<p:notes xmlns:a="http://schemas.openxmlformats.org/drawingml/2006/main" xmlns:r="http://schemas.openxmlformats.org/officeDocument/2006/relationships" xmlns:p="http://schemas.openxmlformats.org/presentationml/2006/main">
+  <p:cSld>
+    <p:spTree>
+      <p:nvGrpSpPr>
+        <p:cNvPr id="1" name=""/>
+        <p:cNvGrpSpPr/>
+        <p:nvPr/>
+      </p:nvGrpSpPr>
+      <p:grpSpPr>
+        <a:xfrm>
+          <a:off x="0" y="0"/>
+          <a:ext cx="0" cy="0"/>
+          <a:chOff x="0" y="0"/>
+          <a:chExt cx="0" cy="0"/>
+        </a:xfrm>
+      </p:grpSpPr>
+      <p:sp>
+        <p:nvSpPr>
+          <p:cNvPr id="2" name="Slide Image Placeholder 1"/>
+          <p:cNvSpPr>
+            <a:spLocks noGrp="1" noRot="1" noChangeAspect="1"/>
+          </p:cNvSpPr>
+          <p:nvPr>
+            <p:ph type="sldImg"/>
+          </p:nvPr>
+        </p:nvSpPr>
+        <p:spPr/>
+      </p:sp>
+      <p:sp>
+        <p:nvSpPr>
+          <p:cNvPr id="3" name="Notes Placeholder 2"/>
+          <p:cNvSpPr>
+            <a:spLocks noGrp="1"/>
+          </p:cNvSpPr>
+          <p:nvPr>
+            <p:ph type="body" idx="1"/>
+          </p:nvPr>
+        </p:nvSpPr>
+        <p:spPr/>
+        <p:txBody>
+          <a:bodyPr/>
+          <a:lstStyle/>
+          <a:p>
+            <a:pPr marL="171450" indent="-171450">
+              <a:buFont typeface="Arial" panose="020B0604020202020204" pitchFamily="34" charset="0"/>
+              <a:buChar char="•"/>
+            </a:pPr>
+            <a:r>
+              <a:rPr lang="en-GB" dirty="0"/>
+              <a:t>The calculation for consignment goods</a:t>
+            </a:r>
+          </a:p>
+          <a:p>
+            <a:pPr marL="628650" lvl="1" indent="-171450">
+              <a:buFont typeface="Arial" panose="020B0604020202020204" pitchFamily="34" charset="0"/>
+              <a:buChar char="•"/>
+            </a:pPr>
+            <a:r>
+              <a:rPr lang="en-GB" dirty="0" err="1"/>
+              <a:t>Mariestad</a:t>
+            </a:r>
+            <a:r>
+              <a:rPr lang="en-GB" dirty="0"/>
+              <a:t> – Hannover</a:t>
+            </a:r>
+          </a:p>
+          <a:p>
+            <a:pPr marL="628650" lvl="1" indent="-171450">
+              <a:buFont typeface="Arial" panose="020B0604020202020204" pitchFamily="34" charset="0"/>
+              <a:buChar char="•"/>
+            </a:pPr>
+            <a:r>
+              <a:rPr lang="en-GB" dirty="0"/>
+              <a:t>Crowd – Hamburg</a:t>
+            </a:r>
+          </a:p>
+          <a:p>
+            <a:pPr marL="628650" lvl="1" indent="-171450">
+              <a:buFont typeface="Arial" panose="020B0604020202020204" pitchFamily="34" charset="0"/>
+              <a:buChar char="•"/>
+            </a:pPr>
+            <a:r>
+              <a:rPr lang="en-GB" dirty="0"/>
+              <a:t>Based on full load</a:t>
+            </a:r>
+          </a:p>
+          <a:p>
+            <a:pPr marL="628650" lvl="1" indent="-171450">
+              <a:buFont typeface="Arial" panose="020B0604020202020204" pitchFamily="34" charset="0"/>
+              <a:buChar char="•"/>
+            </a:pPr>
+            <a:r>
+              <a:rPr lang="en-GB" dirty="0"/>
+              <a:t>The cost is broken down </a:t>
+            </a:r>
+            <a:r>
+              <a:rPr lang="en-GB"/>
+              <a:t>per ton</a:t>
+            </a:r>
+          </a:p>
+          <a:p>
+            <a:pPr marL="628650" lvl="1" indent="-171450">
+              <a:buFont typeface="Arial" panose="020B0604020202020204" pitchFamily="34" charset="0"/>
+              <a:buChar char="•"/>
+            </a:pPr>
+            <a:r>
+              <a:rPr lang="en-GB"/>
+              <a:t>The </a:t>
+            </a:r>
+            <a:r>
+              <a:rPr lang="en-GB" dirty="0"/>
+              <a:t>empty run must be calculated</a:t>
+            </a:r>
+            <a:endParaRPr lang="en-US" dirty="0"/>
+          </a:p>
+        </p:txBody>
+      </p:sp>
+      <p:sp>
+        <p:nvSpPr>
+          <p:cNvPr id="4" name="Slide Number Placeholder 3"/>
+          <p:cNvSpPr>
+            <a:spLocks noGrp="1"/>
+          </p:cNvSpPr>
+          <p:nvPr>
+            <p:ph type="sldNum" sz="quarter" idx="5"/>
+          </p:nvPr>
+        </p:nvSpPr>
+        <p:spPr/>
+        <p:txBody>
+          <a:bodyPr/>
+          <a:lstStyle/>
+          <a:p>
+            <a:fld id="{FF2C522E-8F82-4F9A-A99C-C04084089420}" type="slidenum">
+              <a:rPr lang="sv-SE" smtClean="0"/>
+              <a:t>18</a:t>
+            </a:fld>
+            <a:endParaRPr lang="sv-SE"/>
+          </a:p>
+        </p:txBody>
+      </p:sp>
+    </p:spTree>
+    <p:extLst>
+      <p:ext uri="{BB962C8B-B14F-4D97-AF65-F5344CB8AC3E}">
+        <p14:creationId xmlns:p14="http://schemas.microsoft.com/office/powerpoint/2010/main" val="3529439581"/>
       </p:ext>
     </p:extLst>
   </p:cSld>
@@ -949,6 +2233,114 @@
         <p:txBody>
           <a:bodyPr/>
           <a:lstStyle/>
+          <a:p>
+            <a:r>
+              <a:rPr lang="sv-SE" dirty="0" err="1"/>
+              <a:t>Delivery</a:t>
+            </a:r>
+            <a:r>
+              <a:rPr lang="sv-SE" dirty="0"/>
+              <a:t> terms/</a:t>
+            </a:r>
+            <a:r>
+              <a:rPr lang="sv-SE" dirty="0" err="1"/>
+              <a:t>Incoterms</a:t>
+            </a:r>
+            <a:endParaRPr lang="sv-SE" dirty="0"/>
+          </a:p>
+          <a:p>
+            <a:endParaRPr lang="sv-SE" dirty="0"/>
+          </a:p>
+          <a:p>
+            <a:r>
+              <a:rPr lang="en-GB" dirty="0"/>
+              <a:t>Use of terms of delivery</a:t>
+            </a:r>
+          </a:p>
+          <a:p>
+            <a:pPr marL="171450" indent="-171450">
+              <a:buFont typeface="Arial" panose="020B0604020202020204" pitchFamily="34" charset="0"/>
+              <a:buChar char="•"/>
+            </a:pPr>
+            <a:r>
+              <a:rPr lang="en-GB" dirty="0"/>
+              <a:t>All modes of transport</a:t>
+            </a:r>
+          </a:p>
+          <a:p>
+            <a:pPr marL="628650" lvl="1" indent="-171450">
+              <a:buFont typeface="Arial" panose="020B0604020202020204" pitchFamily="34" charset="0"/>
+              <a:buChar char="•"/>
+            </a:pPr>
+            <a:r>
+              <a:rPr lang="en-GB" dirty="0"/>
+              <a:t>EXW, Ex works</a:t>
+            </a:r>
+          </a:p>
+          <a:p>
+            <a:pPr marL="628650" lvl="1" indent="-171450">
+              <a:buFont typeface="Arial" panose="020B0604020202020204" pitchFamily="34" charset="0"/>
+              <a:buChar char="•"/>
+            </a:pPr>
+            <a:r>
+              <a:rPr lang="en-GB" dirty="0"/>
+              <a:t>FCA, Free Carrier</a:t>
+            </a:r>
+          </a:p>
+          <a:p>
+            <a:pPr marL="628650" lvl="1" indent="-171450">
+              <a:buFont typeface="Arial" panose="020B0604020202020204" pitchFamily="34" charset="0"/>
+              <a:buChar char="•"/>
+            </a:pPr>
+            <a:r>
+              <a:rPr lang="en-GB" dirty="0"/>
+              <a:t>CPT, Carriage Paid To</a:t>
+            </a:r>
+          </a:p>
+          <a:p>
+            <a:pPr marL="628650" lvl="1" indent="-171450">
+              <a:buFont typeface="Arial" panose="020B0604020202020204" pitchFamily="34" charset="0"/>
+              <a:buChar char="•"/>
+            </a:pPr>
+            <a:r>
+              <a:rPr lang="en-GB" dirty="0"/>
+              <a:t>CIP, Carriage and Insurance Paid To</a:t>
+            </a:r>
+          </a:p>
+          <a:p>
+            <a:pPr marL="628650" lvl="1" indent="-171450">
+              <a:buFont typeface="Arial" panose="020B0604020202020204" pitchFamily="34" charset="0"/>
+              <a:buChar char="•"/>
+            </a:pPr>
+            <a:r>
+              <a:rPr lang="en-GB" dirty="0"/>
+              <a:t>DPU, Delivery At Place Unloaded</a:t>
+            </a:r>
+          </a:p>
+          <a:p>
+            <a:pPr marL="628650" lvl="1" indent="-171450">
+              <a:buFont typeface="Arial" panose="020B0604020202020204" pitchFamily="34" charset="0"/>
+              <a:buChar char="•"/>
+            </a:pPr>
+            <a:r>
+              <a:rPr lang="en-GB" dirty="0"/>
+              <a:t>DAP, Delivery At Place</a:t>
+            </a:r>
+          </a:p>
+          <a:p>
+            <a:pPr marL="628650" lvl="1" indent="-171450">
+              <a:buFont typeface="Arial" panose="020B0604020202020204" pitchFamily="34" charset="0"/>
+              <a:buChar char="•"/>
+            </a:pPr>
+            <a:r>
+              <a:rPr lang="en-GB" dirty="0"/>
+              <a:t>DDP, Delivery Duty Paid</a:t>
+            </a:r>
+            <a:endParaRPr lang="sv-SE" dirty="0"/>
+          </a:p>
+          <a:p>
+            <a:endParaRPr lang="sv-SE" dirty="0"/>
+          </a:p>
           <a:p>
             <a:endParaRPr lang="sv-SE" dirty="0"/>
           </a:p>
@@ -1039,6 +2431,67 @@
           <a:bodyPr/>
           <a:lstStyle/>
           <a:p>
+            <a:pPr marL="0" indent="0">
+              <a:buFont typeface="Arial" panose="020B0604020202020204" pitchFamily="34" charset="0"/>
+              <a:buNone/>
+            </a:pPr>
+            <a:r>
+              <a:rPr lang="en-GB" dirty="0"/>
+              <a:t>Use of terms of delivery</a:t>
+            </a:r>
+          </a:p>
+          <a:p>
+            <a:pPr marL="171450" indent="-171450">
+              <a:buFont typeface="Arial" panose="020B0604020202020204" pitchFamily="34" charset="0"/>
+              <a:buChar char="•"/>
+            </a:pPr>
+            <a:r>
+              <a:rPr lang="en-GB" dirty="0"/>
+              <a:t>Sea transport</a:t>
+            </a:r>
+          </a:p>
+          <a:p>
+            <a:pPr marL="628650" lvl="1" indent="-171450">
+              <a:buFont typeface="Arial" panose="020B0604020202020204" pitchFamily="34" charset="0"/>
+              <a:buChar char="•"/>
+            </a:pPr>
+            <a:r>
+              <a:rPr lang="en-GB" dirty="0"/>
+              <a:t>PHASE, Free Alongside Ship</a:t>
+            </a:r>
+          </a:p>
+          <a:p>
+            <a:pPr marL="628650" lvl="1" indent="-171450">
+              <a:buFont typeface="Arial" panose="020B0604020202020204" pitchFamily="34" charset="0"/>
+              <a:buChar char="•"/>
+            </a:pPr>
+            <a:r>
+              <a:rPr lang="en-GB" dirty="0"/>
+              <a:t>F.O.B, Free on Board</a:t>
+            </a:r>
+          </a:p>
+          <a:p>
+            <a:pPr marL="628650" lvl="1" indent="-171450">
+              <a:buFont typeface="Arial" panose="020B0604020202020204" pitchFamily="34" charset="0"/>
+              <a:buChar char="•"/>
+            </a:pPr>
+            <a:r>
+              <a:rPr lang="en-GB" dirty="0"/>
+              <a:t>CFR, Cost and Freight</a:t>
+            </a:r>
+          </a:p>
+          <a:p>
+            <a:pPr marL="628650" lvl="1" indent="-171450">
+              <a:buFont typeface="Arial" panose="020B0604020202020204" pitchFamily="34" charset="0"/>
+              <a:buChar char="•"/>
+            </a:pPr>
+            <a:r>
+              <a:rPr lang="en-GB" dirty="0"/>
+              <a:t>CIF, Cost Insurance Freight</a:t>
+            </a:r>
+            <a:endParaRPr lang="sv-SE" dirty="0"/>
+          </a:p>
+          <a:p>
             <a:endParaRPr lang="sv-SE" dirty="0"/>
           </a:p>
         </p:txBody>
@@ -1180,6 +2633,145 @@
           <a:chExt cx="0" cy="0"/>
         </a:xfrm>
       </p:grpSpPr>
+      <p:sp>
+        <p:nvSpPr>
+          <p:cNvPr id="2" name="Notes Placeholder 1">
+            <a:extLst>
+              <a:ext uri="{FF2B5EF4-FFF2-40B4-BE49-F238E27FC236}">
+                <a16:creationId xmlns:a16="http://schemas.microsoft.com/office/drawing/2014/main" id="{E96232A0-8834-1C66-40F6-205B7B6CD14B}"/>
+              </a:ext>
+            </a:extLst>
+          </p:cNvPr>
+          <p:cNvSpPr>
+            <a:spLocks noGrp="1"/>
+          </p:cNvSpPr>
+          <p:nvPr>
+            <p:ph type="body" idx="1"/>
+          </p:nvPr>
+        </p:nvSpPr>
+        <p:spPr/>
+        <p:txBody>
+          <a:bodyPr/>
+          <a:lstStyle/>
+          <a:p>
+            <a:r>
+              <a:rPr lang="en-GB" dirty="0"/>
+              <a:t>Costs of foreign road transport</a:t>
+            </a:r>
+          </a:p>
+          <a:p>
+            <a:pPr marL="171450" indent="-171450">
+              <a:buFont typeface="Arial" panose="020B0604020202020204" pitchFamily="34" charset="0"/>
+              <a:buChar char="•"/>
+            </a:pPr>
+            <a:r>
+              <a:rPr lang="en-GB" dirty="0"/>
+              <a:t>Collection of packages and general cargo</a:t>
+            </a:r>
+          </a:p>
+          <a:p>
+            <a:pPr marL="628650" lvl="1" indent="-171450">
+              <a:buFont typeface="Arial" panose="020B0604020202020204" pitchFamily="34" charset="0"/>
+              <a:buChar char="•"/>
+            </a:pPr>
+            <a:r>
+              <a:rPr lang="en-GB" dirty="0"/>
+              <a:t>Begins with a domestic transport</a:t>
+            </a:r>
+          </a:p>
+          <a:p>
+            <a:pPr marL="1085850" lvl="2" indent="-171450">
+              <a:buFont typeface="Arial" panose="020B0604020202020204" pitchFamily="34" charset="0"/>
+              <a:buChar char="•"/>
+            </a:pPr>
+            <a:r>
+              <a:rPr lang="en-GB" dirty="0"/>
+              <a:t>Export</a:t>
+            </a:r>
+          </a:p>
+          <a:p>
+            <a:pPr marL="628650" lvl="1" indent="-171450">
+              <a:buFont typeface="Arial" panose="020B0604020202020204" pitchFamily="34" charset="0"/>
+              <a:buChar char="•"/>
+            </a:pPr>
+            <a:r>
+              <a:rPr lang="en-GB" dirty="0"/>
+              <a:t>Ends with a domestic transport</a:t>
+            </a:r>
+          </a:p>
+          <a:p>
+            <a:pPr marL="1085850" lvl="2" indent="-171450">
+              <a:buFont typeface="Arial" panose="020B0604020202020204" pitchFamily="34" charset="0"/>
+              <a:buChar char="•"/>
+            </a:pPr>
+            <a:r>
+              <a:rPr lang="en-GB" dirty="0"/>
+              <a:t>Import</a:t>
+            </a:r>
+          </a:p>
+          <a:p>
+            <a:pPr marL="628650" lvl="1" indent="-171450">
+              <a:buFont typeface="Arial" panose="020B0604020202020204" pitchFamily="34" charset="0"/>
+              <a:buChar char="•"/>
+            </a:pPr>
+            <a:r>
+              <a:rPr lang="en-GB" dirty="0"/>
+              <a:t>General cargo is collected</a:t>
+            </a:r>
+          </a:p>
+          <a:p>
+            <a:pPr marL="1085850" lvl="2" indent="-171450">
+              <a:buFont typeface="Arial" panose="020B0604020202020204" pitchFamily="34" charset="0"/>
+              <a:buChar char="•"/>
+            </a:pPr>
+            <a:r>
+              <a:rPr lang="en-GB" dirty="0"/>
+              <a:t>Export</a:t>
+            </a:r>
+          </a:p>
+          <a:p>
+            <a:pPr marL="1085850" lvl="2" indent="-171450">
+              <a:buFont typeface="Arial" panose="020B0604020202020204" pitchFamily="34" charset="0"/>
+              <a:buChar char="•"/>
+            </a:pPr>
+            <a:r>
+              <a:rPr lang="en-GB" dirty="0"/>
+              <a:t>Freight terminal/hub</a:t>
+            </a:r>
+          </a:p>
+          <a:p>
+            <a:pPr marL="1085850" lvl="2" indent="-171450">
+              <a:buFont typeface="Arial" panose="020B0604020202020204" pitchFamily="34" charset="0"/>
+              <a:buChar char="•"/>
+            </a:pPr>
+            <a:r>
+              <a:rPr lang="en-GB" dirty="0"/>
+              <a:t>Import</a:t>
+            </a:r>
+          </a:p>
+          <a:p>
+            <a:pPr marL="1085850" lvl="2" indent="-171450">
+              <a:buFont typeface="Arial" panose="020B0604020202020204" pitchFamily="34" charset="0"/>
+              <a:buChar char="•"/>
+            </a:pPr>
+            <a:r>
+              <a:rPr lang="en-GB" dirty="0"/>
+              <a:t>Distribution from goods terminal/hub</a:t>
+            </a:r>
+          </a:p>
+          <a:p>
+            <a:pPr marL="628650" lvl="1" indent="-171450">
+              <a:buFont typeface="Arial" panose="020B0604020202020204" pitchFamily="34" charset="0"/>
+              <a:buChar char="•"/>
+            </a:pPr>
+            <a:r>
+              <a:rPr lang="en-GB" dirty="0"/>
+              <a:t>Cost of the assignment</a:t>
+            </a:r>
+            <a:endParaRPr lang="en-US" dirty="0"/>
+          </a:p>
+        </p:txBody>
+      </p:sp>
     </p:spTree>
   </p:cSld>
   <p:clrMapOvr>
@@ -1232,6 +2824,80 @@
           <a:bodyPr/>
           <a:lstStyle/>
           <a:p>
+            <a:r>
+              <a:rPr lang="en-GB" dirty="0"/>
+              <a:t>Packages and piece goods</a:t>
+            </a:r>
+          </a:p>
+          <a:p>
+            <a:pPr marL="171450" indent="-171450">
+              <a:buFont typeface="Arial" panose="020B0604020202020204" pitchFamily="34" charset="0"/>
+              <a:buChar char="•"/>
+            </a:pPr>
+            <a:r>
+              <a:rPr lang="en-GB" dirty="0"/>
+              <a:t>Export and import</a:t>
+            </a:r>
+          </a:p>
+          <a:p>
+            <a:pPr marL="171450" indent="-171450">
+              <a:buFont typeface="Arial" panose="020B0604020202020204" pitchFamily="34" charset="0"/>
+              <a:buChar char="•"/>
+            </a:pPr>
+            <a:r>
+              <a:rPr lang="en-GB" dirty="0"/>
+              <a:t>Main freight – Line haul</a:t>
+            </a:r>
+          </a:p>
+          <a:p>
+            <a:pPr marL="628650" lvl="1" indent="-171450">
+              <a:buFont typeface="Arial" panose="020B0604020202020204" pitchFamily="34" charset="0"/>
+              <a:buChar char="•"/>
+            </a:pPr>
+            <a:r>
+              <a:rPr lang="en-GB" dirty="0"/>
+              <a:t>Terminal – Terminal</a:t>
+            </a:r>
+          </a:p>
+          <a:p>
+            <a:pPr marL="1085850" lvl="2" indent="-171450">
+              <a:buFont typeface="Arial" panose="020B0604020202020204" pitchFamily="34" charset="0"/>
+              <a:buChar char="•"/>
+            </a:pPr>
+            <a:r>
+              <a:rPr lang="en-GB" dirty="0"/>
+              <a:t>Overall costs for the entire load carrier</a:t>
+            </a:r>
+          </a:p>
+          <a:p>
+            <a:pPr marL="1085850" lvl="2" indent="-171450">
+              <a:buFont typeface="Arial" panose="020B0604020202020204" pitchFamily="34" charset="0"/>
+              <a:buChar char="•"/>
+            </a:pPr>
+            <a:r>
+              <a:rPr lang="en-GB" dirty="0"/>
+              <a:t>Transportation to and from the terminal and port</a:t>
+            </a:r>
+          </a:p>
+          <a:p>
+            <a:pPr marL="1085850" lvl="2" indent="-171450">
+              <a:buFont typeface="Arial" panose="020B0604020202020204" pitchFamily="34" charset="0"/>
+              <a:buChar char="•"/>
+            </a:pPr>
+            <a:r>
+              <a:rPr lang="en-GB" dirty="0"/>
+              <a:t>Cost of ro-ro ferry</a:t>
+            </a:r>
+          </a:p>
+          <a:p>
+            <a:pPr marL="1085850" lvl="2" indent="-171450">
+              <a:buFont typeface="Arial" panose="020B0604020202020204" pitchFamily="34" charset="0"/>
+              <a:buChar char="•"/>
+            </a:pPr>
+            <a:r>
+              <a:rPr lang="en-GB" dirty="0"/>
+              <a:t>Trailer rental</a:t>
+            </a:r>
             <a:endParaRPr lang="sv-SE" dirty="0"/>
           </a:p>
         </p:txBody>
@@ -1316,7 +2982,193 @@
           <a:bodyPr/>
           <a:lstStyle/>
           <a:p>
+            <a:r>
+              <a:rPr lang="sv-SE" dirty="0" err="1"/>
+              <a:t>Packages</a:t>
+            </a:r>
+            <a:r>
+              <a:rPr lang="sv-SE" dirty="0"/>
+              <a:t> and </a:t>
+            </a:r>
+            <a:r>
+              <a:rPr lang="sv-SE" dirty="0" err="1"/>
+              <a:t>piece</a:t>
+            </a:r>
+            <a:r>
+              <a:rPr lang="sv-SE" dirty="0"/>
+              <a:t> </a:t>
+            </a:r>
+            <a:r>
+              <a:rPr lang="sv-SE" dirty="0" err="1"/>
+              <a:t>goods</a:t>
+            </a:r>
             <a:endParaRPr lang="sv-SE" dirty="0"/>
+          </a:p>
+          <a:p>
+            <a:pPr marL="171450" indent="-171450">
+              <a:buFont typeface="Arial" panose="020B0604020202020204" pitchFamily="34" charset="0"/>
+              <a:buChar char="•"/>
+            </a:pPr>
+            <a:r>
+              <a:rPr lang="sv-SE" dirty="0"/>
+              <a:t>Ex Terminal Gothenburg – Terminal Düsseldorf</a:t>
+            </a:r>
+          </a:p>
+          <a:p>
+            <a:pPr marL="628650" lvl="1" indent="-171450">
+              <a:buFont typeface="Arial" panose="020B0604020202020204" pitchFamily="34" charset="0"/>
+              <a:buChar char="•"/>
+            </a:pPr>
+            <a:r>
+              <a:rPr lang="sv-SE" dirty="0"/>
+              <a:t>Line </a:t>
+            </a:r>
+            <a:r>
+              <a:rPr lang="sv-SE" dirty="0" err="1"/>
+              <a:t>Haul</a:t>
+            </a:r>
+            <a:endParaRPr lang="sv-SE" dirty="0"/>
+          </a:p>
+          <a:p>
+            <a:pPr marL="171450" lvl="0" indent="-171450">
+              <a:buFont typeface="Arial" panose="020B0604020202020204" pitchFamily="34" charset="0"/>
+              <a:buChar char="•"/>
+            </a:pPr>
+            <a:r>
+              <a:rPr lang="sv-SE" dirty="0" err="1"/>
+              <a:t>Cartage</a:t>
+            </a:r>
+            <a:endParaRPr lang="sv-SE" dirty="0"/>
+          </a:p>
+          <a:p>
+            <a:pPr marL="628650" lvl="1" indent="-171450">
+              <a:buFont typeface="Arial" panose="020B0604020202020204" pitchFamily="34" charset="0"/>
+              <a:buChar char="•"/>
+            </a:pPr>
+            <a:r>
+              <a:rPr lang="sv-SE" dirty="0"/>
+              <a:t>Ex Terminal in Gothenburg to Skandiahamnen Port 6 DFDS to </a:t>
+            </a:r>
+            <a:r>
+              <a:rPr lang="sv-SE" dirty="0" err="1"/>
+              <a:t>Ghent</a:t>
+            </a:r>
+            <a:endParaRPr lang="sv-SE" dirty="0"/>
+          </a:p>
+          <a:p>
+            <a:pPr marL="628650" lvl="1" indent="-171450">
+              <a:buFont typeface="Arial" panose="020B0604020202020204" pitchFamily="34" charset="0"/>
+              <a:buChar char="•"/>
+            </a:pPr>
+            <a:r>
+              <a:rPr lang="sv-SE" dirty="0"/>
+              <a:t>800:-</a:t>
+            </a:r>
+          </a:p>
+          <a:p>
+            <a:pPr marL="171450" lvl="0" indent="-171450">
+              <a:buFont typeface="Arial" panose="020B0604020202020204" pitchFamily="34" charset="0"/>
+              <a:buChar char="•"/>
+            </a:pPr>
+            <a:r>
+              <a:rPr lang="sv-SE" dirty="0" err="1"/>
+              <a:t>RoRo</a:t>
+            </a:r>
+            <a:r>
+              <a:rPr lang="sv-SE" dirty="0"/>
+              <a:t> </a:t>
+            </a:r>
+            <a:r>
+              <a:rPr lang="sv-SE" dirty="0" err="1"/>
+              <a:t>sea</a:t>
+            </a:r>
+            <a:r>
+              <a:rPr lang="sv-SE" dirty="0"/>
+              <a:t> transport</a:t>
+            </a:r>
+          </a:p>
+          <a:p>
+            <a:pPr marL="628650" lvl="1" indent="-171450">
+              <a:buFont typeface="Arial" panose="020B0604020202020204" pitchFamily="34" charset="0"/>
+              <a:buChar char="•"/>
+            </a:pPr>
+            <a:r>
+              <a:rPr lang="sv-SE" dirty="0"/>
+              <a:t>5000:-</a:t>
+            </a:r>
+          </a:p>
+          <a:p>
+            <a:pPr marL="171450" lvl="0" indent="-171450">
+              <a:buFont typeface="Arial" panose="020B0604020202020204" pitchFamily="34" charset="0"/>
+              <a:buChar char="•"/>
+            </a:pPr>
+            <a:r>
+              <a:rPr lang="sv-SE" dirty="0"/>
+              <a:t>Forsling </a:t>
+            </a:r>
+            <a:r>
+              <a:rPr lang="sv-SE" dirty="0" err="1"/>
+              <a:t>Ghent</a:t>
+            </a:r>
+            <a:r>
+              <a:rPr lang="sv-SE" dirty="0"/>
+              <a:t> – Düsseldorf</a:t>
+            </a:r>
+          </a:p>
+          <a:p>
+            <a:pPr marL="628650" lvl="1" indent="-171450">
+              <a:buFont typeface="Arial" panose="020B0604020202020204" pitchFamily="34" charset="0"/>
+              <a:buChar char="•"/>
+            </a:pPr>
+            <a:r>
+              <a:rPr lang="sv-SE" dirty="0"/>
+              <a:t>2500:-</a:t>
+            </a:r>
+          </a:p>
+          <a:p>
+            <a:pPr marL="171450" lvl="0" indent="-171450">
+              <a:buFont typeface="Arial" panose="020B0604020202020204" pitchFamily="34" charset="0"/>
+              <a:buChar char="•"/>
+            </a:pPr>
+            <a:r>
+              <a:rPr lang="sv-SE" dirty="0"/>
+              <a:t>Trailer </a:t>
+            </a:r>
+            <a:r>
+              <a:rPr lang="sv-SE" dirty="0" err="1"/>
+              <a:t>rental</a:t>
+            </a:r>
+            <a:endParaRPr lang="sv-SE" dirty="0"/>
+          </a:p>
+          <a:p>
+            <a:pPr marL="628650" lvl="1" indent="-171450">
+              <a:buFont typeface="Arial" panose="020B0604020202020204" pitchFamily="34" charset="0"/>
+              <a:buChar char="•"/>
+            </a:pPr>
+            <a:r>
+              <a:rPr lang="sv-SE" dirty="0"/>
+              <a:t>1500:-</a:t>
+            </a:r>
+          </a:p>
+          <a:p>
+            <a:pPr marL="171450" lvl="0" indent="-171450">
+              <a:buFont typeface="Arial" panose="020B0604020202020204" pitchFamily="34" charset="0"/>
+              <a:buChar char="•"/>
+            </a:pPr>
+            <a:r>
+              <a:rPr lang="sv-SE" dirty="0"/>
+              <a:t>Total 9800:-</a:t>
+            </a:r>
+          </a:p>
+          <a:p>
+            <a:pPr marL="628650" lvl="1" indent="-171450">
+              <a:buFont typeface="Arial" panose="020B0604020202020204" pitchFamily="34" charset="0"/>
+              <a:buChar char="•"/>
+            </a:pPr>
+            <a:r>
+              <a:rPr lang="sv-SE" dirty="0"/>
+              <a:t>For the full trailer</a:t>
+            </a:r>
           </a:p>
         </p:txBody>
       </p:sp>
@@ -1375,7 +3227,7 @@
       </p:grpSpPr>
       <p:sp>
         <p:nvSpPr>
-          <p:cNvPr id="2" name="Platshållare för bildobjekt 1"/>
+          <p:cNvPr id="2" name="Slide Image Placeholder 1"/>
           <p:cNvSpPr>
             <a:spLocks noGrp="1" noRot="1" noChangeAspect="1"/>
           </p:cNvSpPr>
@@ -1387,7 +3239,7 @@
       </p:sp>
       <p:sp>
         <p:nvSpPr>
-          <p:cNvPr id="3" name="Platshållare för anteckningar 2"/>
+          <p:cNvPr id="3" name="Notes Placeholder 2"/>
           <p:cNvSpPr>
             <a:spLocks noGrp="1"/>
           </p:cNvSpPr>
@@ -1400,13 +3252,93 @@
           <a:bodyPr/>
           <a:lstStyle/>
           <a:p>
-            <a:endParaRPr lang="sv-SE" dirty="0"/>
-          </a:p>
-        </p:txBody>
-      </p:sp>
-      <p:sp>
-        <p:nvSpPr>
-          <p:cNvPr id="4" name="Platshållare för bildnummer 3"/>
+            <a:r>
+              <a:rPr lang="en-GB" dirty="0"/>
+              <a:t>Line haul</a:t>
+            </a:r>
+          </a:p>
+          <a:p>
+            <a:r>
+              <a:rPr lang="en-GB" dirty="0"/>
+              <a:t>Packages and piece goods</a:t>
+            </a:r>
+          </a:p>
+          <a:p>
+            <a:pPr marL="171450" indent="-171450">
+              <a:buFont typeface="Arial" panose="020B0604020202020204" pitchFamily="34" charset="0"/>
+              <a:buChar char="•"/>
+            </a:pPr>
+            <a:r>
+              <a:rPr lang="en-GB" dirty="0"/>
+              <a:t>Total cost/Fill rate</a:t>
+            </a:r>
+          </a:p>
+          <a:p>
+            <a:pPr marL="628650" lvl="1" indent="-171450">
+              <a:buFont typeface="Arial" panose="020B0604020202020204" pitchFamily="34" charset="0"/>
+              <a:buChar char="•"/>
+            </a:pPr>
+            <a:r>
+              <a:rPr lang="en-GB" dirty="0"/>
+              <a:t>Break down to per 100kg alt per ton</a:t>
+            </a:r>
+          </a:p>
+          <a:p>
+            <a:pPr marL="628650" lvl="1" indent="-171450">
+              <a:buFont typeface="Arial" panose="020B0604020202020204" pitchFamily="34" charset="0"/>
+              <a:buChar char="•"/>
+            </a:pPr>
+            <a:r>
+              <a:rPr lang="en-GB" dirty="0"/>
+              <a:t>Cost 9,800 SEK / Degree of filling 25,000 kg = 392 SEK</a:t>
+            </a:r>
+          </a:p>
+          <a:p>
+            <a:pPr marL="628650" lvl="1" indent="-171450">
+              <a:buFont typeface="Arial" panose="020B0604020202020204" pitchFamily="34" charset="0"/>
+              <a:buChar char="•"/>
+            </a:pPr>
+            <a:r>
+              <a:rPr lang="en-GB" dirty="0"/>
+              <a:t>Per 100 kg /250 = (39.20:-) 40:-</a:t>
+            </a:r>
+          </a:p>
+          <a:p>
+            <a:pPr marL="171450" lvl="0" indent="-171450">
+              <a:buFont typeface="Arial" panose="020B0604020202020204" pitchFamily="34" charset="0"/>
+              <a:buChar char="•"/>
+            </a:pPr>
+            <a:r>
+              <a:rPr lang="en-GB" dirty="0"/>
+              <a:t>The degree of filling increases and decreases</a:t>
+            </a:r>
+          </a:p>
+          <a:p>
+            <a:pPr marL="628650" lvl="1" indent="-171450">
+              <a:buFont typeface="Arial" panose="020B0604020202020204" pitchFamily="34" charset="0"/>
+              <a:buChar char="•"/>
+            </a:pPr>
+            <a:r>
+              <a:rPr lang="en-GB" dirty="0"/>
+              <a:t>The cost per ton alt per 100kg</a:t>
+            </a:r>
+          </a:p>
+          <a:p>
+            <a:pPr marL="1085850" lvl="2" indent="-171450">
+              <a:buFont typeface="Arial" panose="020B0604020202020204" pitchFamily="34" charset="0"/>
+              <a:buChar char="•"/>
+            </a:pPr>
+            <a:r>
+              <a:rPr lang="en-GB" dirty="0"/>
+              <a:t>Increases or decreases</a:t>
+            </a:r>
+            <a:endParaRPr lang="en-US" dirty="0"/>
+          </a:p>
+        </p:txBody>
+      </p:sp>
+      <p:sp>
+        <p:nvSpPr>
+          <p:cNvPr id="4" name="Slide Number Placeholder 3"/>
           <p:cNvSpPr>
             <a:spLocks noGrp="1"/>
           </p:cNvSpPr>
@@ -1419,9 +3351,9 @@
           <a:bodyPr/>
           <a:lstStyle/>
           <a:p>
-            <a:fld id="{69A29C0E-5F6C-4F39-B0AC-0296CA5549B9}" type="slidenum">
+            <a:fld id="{FF2C522E-8F82-4F9A-A99C-C04084089420}" type="slidenum">
               <a:rPr lang="sv-SE" smtClean="0"/>
-              <a:t>9</a:t>
+              <a:t>8</a:t>
             </a:fld>
             <a:endParaRPr lang="sv-SE"/>
           </a:p>
@@ -1430,7 +3362,7 @@
     </p:spTree>
     <p:extLst>
       <p:ext uri="{BB962C8B-B14F-4D97-AF65-F5344CB8AC3E}">
-        <p14:creationId xmlns:p14="http://schemas.microsoft.com/office/powerpoint/2010/main" val="2545465097"/>
+        <p14:creationId xmlns:p14="http://schemas.microsoft.com/office/powerpoint/2010/main" val="3678976010"/>
       </p:ext>
     </p:extLst>
   </p:cSld>
@@ -1484,7 +3416,111 @@
           <a:bodyPr/>
           <a:lstStyle/>
           <a:p>
-            <a:endParaRPr lang="sv-SE"/>
+            <a:r>
+              <a:rPr lang="en-GB" dirty="0"/>
+              <a:t>This pricing includes</a:t>
+            </a:r>
+          </a:p>
+          <a:p>
+            <a:pPr marL="228600" indent="-228600">
+              <a:buFont typeface="Arial" panose="020B0604020202020204" pitchFamily="34" charset="0"/>
+              <a:buChar char="•"/>
+            </a:pPr>
+            <a:r>
+              <a:rPr lang="en-GB" dirty="0"/>
+              <a:t>Pickup</a:t>
+            </a:r>
+          </a:p>
+          <a:p>
+            <a:pPr marL="685800" lvl="1" indent="-228600">
+              <a:buFont typeface="Arial" panose="020B0604020202020204" pitchFamily="34" charset="0"/>
+              <a:buChar char="•"/>
+            </a:pPr>
+            <a:r>
+              <a:rPr lang="en-GB" dirty="0"/>
+              <a:t>Domestic price list</a:t>
+            </a:r>
+          </a:p>
+          <a:p>
+            <a:pPr marL="228600" lvl="0" indent="-228600">
+              <a:buFont typeface="Arial" panose="020B0604020202020204" pitchFamily="34" charset="0"/>
+              <a:buChar char="•"/>
+            </a:pPr>
+            <a:r>
+              <a:rPr lang="en-GB" dirty="0"/>
+              <a:t>Terminal management</a:t>
+            </a:r>
+          </a:p>
+          <a:p>
+            <a:pPr marL="685800" lvl="1" indent="-228600">
+              <a:buFont typeface="Arial" panose="020B0604020202020204" pitchFamily="34" charset="0"/>
+              <a:buChar char="•"/>
+            </a:pPr>
+            <a:r>
+              <a:rPr lang="en-GB" dirty="0"/>
+              <a:t>Freight terminal cost point of departure</a:t>
+            </a:r>
+          </a:p>
+          <a:p>
+            <a:pPr marL="228600" lvl="0" indent="-228600">
+              <a:buFont typeface="Arial" panose="020B0604020202020204" pitchFamily="34" charset="0"/>
+              <a:buChar char="•"/>
+            </a:pPr>
+            <a:r>
+              <a:rPr lang="en-GB" dirty="0"/>
+              <a:t>Line-Haul</a:t>
+            </a:r>
+          </a:p>
+          <a:p>
+            <a:pPr marL="685800" lvl="1" indent="-228600">
+              <a:buFont typeface="Arial" panose="020B0604020202020204" pitchFamily="34" charset="0"/>
+              <a:buChar char="•"/>
+            </a:pPr>
+            <a:r>
+              <a:rPr lang="en-GB" dirty="0"/>
+              <a:t>Cost between terminal in place of departure to place of arrival</a:t>
+            </a:r>
+          </a:p>
+          <a:p>
+            <a:pPr marL="228600" lvl="0" indent="-228600">
+              <a:buFont typeface="Arial" panose="020B0604020202020204" pitchFamily="34" charset="0"/>
+              <a:buChar char="•"/>
+            </a:pPr>
+            <a:r>
+              <a:rPr lang="en-GB" dirty="0"/>
+              <a:t>Collaborator's cost</a:t>
+            </a:r>
+          </a:p>
+          <a:p>
+            <a:pPr marL="685800" lvl="1" indent="-228600">
+              <a:buFont typeface="Arial" panose="020B0604020202020204" pitchFamily="34" charset="0"/>
+              <a:buChar char="•"/>
+            </a:pPr>
+            <a:r>
+              <a:rPr lang="en-GB" dirty="0"/>
+              <a:t>Terminal management</a:t>
+            </a:r>
+          </a:p>
+          <a:p>
+            <a:pPr marL="685800" lvl="1" indent="-228600">
+              <a:buFont typeface="Arial" panose="020B0604020202020204" pitchFamily="34" charset="0"/>
+              <a:buChar char="•"/>
+            </a:pPr>
+            <a:r>
+              <a:rPr lang="en-GB" dirty="0"/>
+              <a:t>Distribution</a:t>
+            </a:r>
+          </a:p>
+          <a:p>
+            <a:pPr marL="228600" lvl="0" indent="-228600">
+              <a:buFont typeface="Arial" panose="020B0604020202020204" pitchFamily="34" charset="0"/>
+              <a:buChar char="•"/>
+            </a:pPr>
+            <a:r>
+              <a:rPr lang="en-GB" dirty="0"/>
+              <a:t>Margin</a:t>
+            </a:r>
+            <a:endParaRPr lang="sv-SE" dirty="0"/>
           </a:p>
         </p:txBody>
       </p:sp>
@@ -1495,7 +3531,7 @@
             <a:spLocks noGrp="1"/>
           </p:cNvSpPr>
           <p:nvPr>
-            <p:ph type="sldNum" sz="quarter" idx="10"/>
+            <p:ph type="sldNum" sz="quarter" idx="5"/>
           </p:nvPr>
         </p:nvSpPr>
         <p:spPr/>
@@ -1503,9 +3539,9 @@
           <a:bodyPr/>
           <a:lstStyle/>
           <a:p>
-            <a:fld id="{01A50620-1906-437D-BF73-4FB3704EA5AE}" type="slidenum">
+            <a:fld id="{69A29C0E-5F6C-4F39-B0AC-0296CA5549B9}" type="slidenum">
               <a:rPr lang="sv-SE" smtClean="0"/>
-              <a:t>10</a:t>
+              <a:t>9</a:t>
             </a:fld>
             <a:endParaRPr lang="sv-SE"/>
           </a:p>
@@ -1514,7 +3550,7 @@
     </p:spTree>
     <p:extLst>
       <p:ext uri="{BB962C8B-B14F-4D97-AF65-F5344CB8AC3E}">
-        <p14:creationId xmlns:p14="http://schemas.microsoft.com/office/powerpoint/2010/main" val="1331685466"/>
+        <p14:creationId xmlns:p14="http://schemas.microsoft.com/office/powerpoint/2010/main" val="2545465097"/>
       </p:ext>
     </p:extLst>
   </p:cSld>
@@ -1671,7 +3707,7 @@
           <a:p>
             <a:fld id="{3B5DAD76-8FBB-4F8A-BA77-4CDC86D87E9B}" type="datetimeFigureOut">
               <a:rPr lang="sv-SE" smtClean="0"/>
-              <a:t>2023-11-24</a:t>
+              <a:t>2023-12-14</a:t>
             </a:fld>
             <a:endParaRPr lang="sv-SE"/>
           </a:p>
@@ -1869,7 +3905,7 @@
           <a:p>
             <a:fld id="{3B5DAD76-8FBB-4F8A-BA77-4CDC86D87E9B}" type="datetimeFigureOut">
               <a:rPr lang="sv-SE" smtClean="0"/>
-              <a:t>2023-11-24</a:t>
+              <a:t>2023-12-14</a:t>
             </a:fld>
             <a:endParaRPr lang="sv-SE"/>
           </a:p>
@@ -2077,7 +4113,7 @@
           <a:p>
             <a:fld id="{3B5DAD76-8FBB-4F8A-BA77-4CDC86D87E9B}" type="datetimeFigureOut">
               <a:rPr lang="sv-SE" smtClean="0"/>
-              <a:t>2023-11-24</a:t>
+              <a:t>2023-12-14</a:t>
             </a:fld>
             <a:endParaRPr lang="sv-SE"/>
           </a:p>
@@ -2275,7 +4311,7 @@
           <a:p>
             <a:fld id="{3B5DAD76-8FBB-4F8A-BA77-4CDC86D87E9B}" type="datetimeFigureOut">
               <a:rPr lang="sv-SE" smtClean="0"/>
-              <a:t>2023-11-24</a:t>
+              <a:t>2023-12-14</a:t>
             </a:fld>
             <a:endParaRPr lang="sv-SE"/>
           </a:p>
@@ -2550,7 +4586,7 @@
           <a:p>
             <a:fld id="{3B5DAD76-8FBB-4F8A-BA77-4CDC86D87E9B}" type="datetimeFigureOut">
               <a:rPr lang="sv-SE" smtClean="0"/>
-              <a:t>2023-11-24</a:t>
+              <a:t>2023-12-14</a:t>
             </a:fld>
             <a:endParaRPr lang="sv-SE"/>
           </a:p>
@@ -2815,7 +4851,7 @@
           <a:p>
             <a:fld id="{3B5DAD76-8FBB-4F8A-BA77-4CDC86D87E9B}" type="datetimeFigureOut">
               <a:rPr lang="sv-SE" smtClean="0"/>
-              <a:t>2023-11-24</a:t>
+              <a:t>2023-12-14</a:t>
             </a:fld>
             <a:endParaRPr lang="sv-SE"/>
           </a:p>
@@ -3227,7 +5263,7 @@
           <a:p>
             <a:fld id="{3B5DAD76-8FBB-4F8A-BA77-4CDC86D87E9B}" type="datetimeFigureOut">
               <a:rPr lang="sv-SE" smtClean="0"/>
-              <a:t>2023-11-24</a:t>
+              <a:t>2023-12-14</a:t>
             </a:fld>
             <a:endParaRPr lang="sv-SE"/>
           </a:p>
@@ -3368,7 +5404,7 @@
           <a:p>
             <a:fld id="{3B5DAD76-8FBB-4F8A-BA77-4CDC86D87E9B}" type="datetimeFigureOut">
               <a:rPr lang="sv-SE" smtClean="0"/>
-              <a:t>2023-11-24</a:t>
+              <a:t>2023-12-14</a:t>
             </a:fld>
             <a:endParaRPr lang="sv-SE"/>
           </a:p>
@@ -3481,7 +5517,7 @@
           <a:p>
             <a:fld id="{3B5DAD76-8FBB-4F8A-BA77-4CDC86D87E9B}" type="datetimeFigureOut">
               <a:rPr lang="sv-SE" smtClean="0"/>
-              <a:t>2023-11-24</a:t>
+              <a:t>2023-12-14</a:t>
             </a:fld>
             <a:endParaRPr lang="sv-SE"/>
           </a:p>
@@ -3792,7 +5828,7 @@
           <a:p>
             <a:fld id="{3B5DAD76-8FBB-4F8A-BA77-4CDC86D87E9B}" type="datetimeFigureOut">
               <a:rPr lang="sv-SE" smtClean="0"/>
-              <a:t>2023-11-24</a:t>
+              <a:t>2023-12-14</a:t>
             </a:fld>
             <a:endParaRPr lang="sv-SE"/>
           </a:p>
@@ -4080,7 +6116,7 @@
           <a:p>
             <a:fld id="{3B5DAD76-8FBB-4F8A-BA77-4CDC86D87E9B}" type="datetimeFigureOut">
               <a:rPr lang="sv-SE" smtClean="0"/>
-              <a:t>2023-11-24</a:t>
+              <a:t>2023-12-14</a:t>
             </a:fld>
             <a:endParaRPr lang="sv-SE"/>
           </a:p>
@@ -4321,7 +6357,7 @@
           <a:p>
             <a:fld id="{3B5DAD76-8FBB-4F8A-BA77-4CDC86D87E9B}" type="datetimeFigureOut">
               <a:rPr lang="sv-SE" smtClean="0"/>
-              <a:t>2023-11-24</a:t>
+              <a:t>2023-12-14</a:t>
             </a:fld>
             <a:endParaRPr lang="sv-SE"/>
           </a:p>
@@ -4766,11 +6802,7 @@
             </a:br>
             <a:r>
               <a:rPr lang="sv-SE" sz="4900" dirty="0"/>
-              <a:t>Utrikes </a:t>
-            </a:r>
-            <a:r>
-              <a:rPr lang="sv-SE" sz="4900"/>
-              <a:t>vägtransporter lönsamhet</a:t>
+              <a:t>Utrikes vägtransporter lönsamhet</a:t>
             </a:r>
             <a:br>
               <a:rPr lang="sv-SE" dirty="0"/>
@@ -5028,38 +7060,6 @@
               <a:rPr lang="sv-SE" sz="2400" dirty="0"/>
               <a:t>Fyllnadsgrad</a:t>
             </a:r>
-          </a:p>
-          <a:p>
-            <a:pPr marL="914400" lvl="2" indent="0">
-              <a:buNone/>
-            </a:pPr>
-            <a:endParaRPr lang="sv-SE" dirty="0"/>
-          </a:p>
-          <a:p>
-            <a:pPr marL="914400" lvl="2" indent="0">
-              <a:buNone/>
-            </a:pPr>
-            <a:endParaRPr lang="sv-SE" dirty="0"/>
-          </a:p>
-          <a:p>
-            <a:pPr marL="914400" lvl="2" indent="0">
-              <a:buNone/>
-            </a:pPr>
-            <a:endParaRPr lang="sv-SE" dirty="0"/>
-          </a:p>
-          <a:p>
-            <a:pPr marL="457200" lvl="1" indent="0">
-              <a:buNone/>
-            </a:pPr>
-            <a:endParaRPr lang="sv-SE" dirty="0"/>
-          </a:p>
-          <a:p>
-            <a:pPr lvl="1"/>
-            <a:endParaRPr lang="sv-SE" dirty="0"/>
-          </a:p>
-          <a:p>
-            <a:pPr lvl="1"/>
-            <a:endParaRPr lang="sv-SE" dirty="0"/>
           </a:p>
         </p:txBody>
       </p:sp>
@@ -6000,14 +8000,6 @@
               <a:t>Från ankomsthamn till leveransort</a:t>
             </a:r>
           </a:p>
-          <a:p>
-            <a:pPr lvl="2"/>
-            <a:endParaRPr lang="sv-SE" dirty="0"/>
-          </a:p>
-          <a:p>
-            <a:pPr lvl="1"/>
-            <a:endParaRPr lang="sv-SE" dirty="0"/>
-          </a:p>
         </p:txBody>
       </p:sp>
       <p:sp>
@@ -6249,14 +8241,6 @@
               <a:t>Till lossningsort</a:t>
             </a:r>
           </a:p>
-          <a:p>
-            <a:pPr lvl="2"/>
-            <a:endParaRPr lang="sv-SE" dirty="0"/>
-          </a:p>
-          <a:p>
-            <a:pPr lvl="2"/>
-            <a:endParaRPr lang="sv-SE" dirty="0"/>
-          </a:p>
         </p:txBody>
       </p:sp>
       <p:sp>
@@ -6303,7 +8287,7 @@
           <p:nvPr/>
         </p:nvPicPr>
         <p:blipFill>
-          <a:blip r:embed="rId2"/>
+          <a:blip r:embed="rId3"/>
           <a:stretch>
             <a:fillRect/>
           </a:stretch>
@@ -6705,12 +8689,6 @@
               <a:rPr lang="sv-SE" sz="2000" b="1" dirty="0"/>
               <a:t>3832:-</a:t>
             </a:r>
-          </a:p>
-          <a:p>
-            <a:endParaRPr lang="sv-SE" sz="1700" dirty="0"/>
-          </a:p>
-          <a:p>
-            <a:endParaRPr lang="sv-SE" sz="1700" dirty="0"/>
           </a:p>
         </p:txBody>
       </p:sp>
@@ -7490,12 +9468,6 @@
               <a:t>Fördelning?</a:t>
             </a:r>
           </a:p>
-          <a:p>
-            <a:endParaRPr lang="sv-SE" dirty="0"/>
-          </a:p>
-          <a:p>
-            <a:endParaRPr lang="sv-SE" dirty="0"/>
-          </a:p>
         </p:txBody>
       </p:sp>
       <p:sp>
@@ -7541,7 +9513,7 @@
           <p:nvPr/>
         </p:nvPicPr>
         <p:blipFill>
-          <a:blip r:embed="rId2"/>
+          <a:blip r:embed="rId3"/>
           <a:stretch>
             <a:fillRect/>
           </a:stretch>
@@ -8833,17 +10805,6 @@
               <a:rPr lang="sv-SE" dirty="0"/>
               <a:t>Tomkörningen måste beräknas</a:t>
             </a:r>
-          </a:p>
-          <a:p>
-            <a:pPr marL="914400" lvl="1" indent="-457200">
-              <a:buFont typeface="+mj-lt"/>
-              <a:buAutoNum type="arabicPeriod"/>
-            </a:pPr>
-            <a:endParaRPr lang="sv-SE" dirty="0"/>
-          </a:p>
-          <a:p>
-            <a:pPr lvl="1"/>
-            <a:endParaRPr lang="sv-SE" dirty="0"/>
           </a:p>
         </p:txBody>
       </p:sp>
@@ -11557,30 +13518,6 @@
               <a:t>Kostnad för uppdraget</a:t>
             </a:r>
           </a:p>
-          <a:p>
-            <a:pPr lvl="2"/>
-            <a:endParaRPr lang="sv-SE" dirty="0"/>
-          </a:p>
-          <a:p>
-            <a:pPr marL="914400" lvl="2" indent="0">
-              <a:buNone/>
-            </a:pPr>
-            <a:endParaRPr lang="sv-SE" dirty="0"/>
-          </a:p>
-          <a:p>
-            <a:pPr marL="457200" lvl="1" indent="0">
-              <a:buNone/>
-            </a:pPr>
-            <a:endParaRPr lang="sv-SE" dirty="0"/>
-          </a:p>
-          <a:p>
-            <a:pPr lvl="1"/>
-            <a:endParaRPr lang="sv-SE" dirty="0"/>
-          </a:p>
-          <a:p>
-            <a:pPr lvl="1"/>
-            <a:endParaRPr lang="sv-SE" dirty="0"/>
-          </a:p>
         </p:txBody>
       </p:sp>
       <p:sp>
@@ -11794,18 +13731,6 @@
               <a:t>Trailerhyra</a:t>
             </a:r>
           </a:p>
-          <a:p>
-            <a:pPr marL="914400" lvl="2" indent="0">
-              <a:buNone/>
-            </a:pPr>
-            <a:endParaRPr lang="sv-SE" dirty="0"/>
-          </a:p>
-          <a:p>
-            <a:pPr marL="1371600" lvl="3" indent="0">
-              <a:buNone/>
-            </a:pPr>
-            <a:endParaRPr lang="sv-SE" dirty="0"/>
-          </a:p>
         </p:txBody>
       </p:sp>
       <p:sp>
@@ -12109,10 +14034,6 @@
               <a:rPr lang="sv-SE" dirty="0"/>
               <a:t>För hela trailern</a:t>
             </a:r>
-          </a:p>
-          <a:p>
-            <a:pPr lvl="1"/>
-            <a:endParaRPr lang="sv-SE" dirty="0"/>
           </a:p>
         </p:txBody>
       </p:sp>
@@ -12893,7 +14814,7 @@
           <p:nvPr/>
         </p:nvPicPr>
         <p:blipFill rotWithShape="1">
-          <a:blip r:embed="rId2"/>
+          <a:blip r:embed="rId3"/>
           <a:srcRect r="5619" b="7013"/>
           <a:stretch/>
         </p:blipFill>
